--- a/기획/UTB_Unknown_Team_Battle.pptx
+++ b/기획/UTB_Unknown_Team_Battle.pptx
@@ -156,9 +156,9 @@
 <file path=ppt/revisionInfo.xml><?xml version="1.0" encoding="utf-8"?>
 <p1510:revInfo xmlns:a="http://schemas.openxmlformats.org/drawingml/2006/main" xmlns:r="http://schemas.openxmlformats.org/officeDocument/2006/relationships" xmlns:p1510="http://schemas.microsoft.com/office/powerpoint/2015/10/main">
   <p1510:revLst>
+    <p1510:client id="{8B4A6F5F-4A3C-45FB-97A3-6D083CE89004}" v="845" dt="2018-12-11T14:05:36.504"/>
+    <p1510:client id="{91ED4AA5-148C-453A-B345-A25638509F71}" v="245" dt="2018-12-11T12:47:40.311"/>
     <p1510:client id="{D7CA4587-D5FC-4FAB-B996-1C9A20751F3B}" v="36" dt="2018-12-11T13:06:44.913"/>
-    <p1510:client id="{91ED4AA5-148C-453A-B345-A25638509F71}" v="245" dt="2018-12-11T12:47:40.311"/>
-    <p1510:client id="{8B4A6F5F-4A3C-45FB-97A3-6D083CE89004}" v="845" dt="2018-12-11T14:05:36.504"/>
     <p1510:client id="{BF50AE04-D7A2-40F9-B45E-12B0EA2F63B9}" v="29" dt="2018-12-11T13:19:19.796"/>
   </p1510:revLst>
 </p1510:revInfo>
@@ -254,7 +254,7 @@
                 <a:latin typeface="malgun gothic" panose="020B0503020000020004" pitchFamily="50" charset="-127"/>
                 <a:ea typeface="malgun gothic" panose="020B0503020000020004" pitchFamily="50" charset="-127"/>
               </a:rPr>
-              <a:t>2018-12-11</a:t>
+              <a:t>2018-12-13</a:t>
             </a:fld>
             <a:endParaRPr lang="ko-KR" altLang="en-US" dirty="0">
               <a:latin typeface="malgun gothic" panose="020B0503020000020004" pitchFamily="50" charset="-127"/>
@@ -441,7 +441,7 @@
             <a:fld id="{2B34C70B-81DE-478B-BC68-391D7A2B171D}" type="datetime1">
               <a:rPr lang="ko-KR" altLang="en-US" smtClean="0"/>
               <a:pPr/>
-              <a:t>2018-12-11</a:t>
+              <a:t>2018-12-13</a:t>
             </a:fld>
             <a:endParaRPr lang="ko-KR" altLang="en-US" dirty="0"/>
           </a:p>
@@ -1273,7 +1273,7 @@
             <a:fld id="{68CE1086-A3BD-48EF-A323-678893A53D35}" type="datetime1">
               <a:rPr lang="ko-KR" altLang="en-US" smtClean="0"/>
               <a:pPr/>
-              <a:t>2018-12-11</a:t>
+              <a:t>2018-12-13</a:t>
             </a:fld>
             <a:endParaRPr lang="ko-KR" altLang="en-US" dirty="0"/>
           </a:p>
@@ -1465,7 +1465,7 @@
             <a:fld id="{6EA4C49E-3278-403A-903E-EF3D15875233}" type="datetime1">
               <a:rPr lang="ko-KR" altLang="en-US" smtClean="0"/>
               <a:pPr/>
-              <a:t>2018-12-11</a:t>
+              <a:t>2018-12-13</a:t>
             </a:fld>
             <a:endParaRPr lang="ko-KR" altLang="en-US" dirty="0"/>
           </a:p>
@@ -1743,7 +1743,7 @@
             <a:fld id="{57B1F5DF-468D-4526-9AD3-FCEB4539BE9E}" type="datetime1">
               <a:rPr lang="ko-KR" altLang="en-US" smtClean="0"/>
               <a:pPr/>
-              <a:t>2018-12-11</a:t>
+              <a:t>2018-12-13</a:t>
             </a:fld>
             <a:endParaRPr lang="ko-KR" altLang="en-US" dirty="0"/>
           </a:p>
@@ -2200,7 +2200,7 @@
             <a:fld id="{4A42E9B4-9CCE-4307-BDB1-EE18E3DD4AB2}" type="datetime1">
               <a:rPr lang="ko-KR" altLang="en-US" smtClean="0"/>
               <a:pPr/>
-              <a:t>2018-12-11</a:t>
+              <a:t>2018-12-13</a:t>
             </a:fld>
             <a:endParaRPr lang="ko-KR" altLang="en-US" dirty="0"/>
           </a:p>
@@ -2646,7 +2646,7 @@
             <a:fld id="{C381DCFB-4CBD-4994-8BAE-751FAAE07E5B}" type="datetime1">
               <a:rPr lang="ko-KR" altLang="en-US" smtClean="0"/>
               <a:pPr/>
-              <a:t>2018-12-11</a:t>
+              <a:t>2018-12-13</a:t>
             </a:fld>
             <a:endParaRPr lang="ko-KR" altLang="en-US" dirty="0"/>
           </a:p>
@@ -2772,7 +2772,7 @@
             <a:fld id="{D77F9172-712F-4274-AA50-4E268DAA3039}" type="datetime1">
               <a:rPr lang="ko-KR" altLang="en-US" smtClean="0"/>
               <a:pPr/>
-              <a:t>2018-12-11</a:t>
+              <a:t>2018-12-13</a:t>
             </a:fld>
             <a:endParaRPr lang="ko-KR" altLang="en-US" dirty="0"/>
           </a:p>
@@ -2874,7 +2874,7 @@
             <a:fld id="{E6EBB456-6E40-4840-BC62-AD77175292E5}" type="datetime1">
               <a:rPr lang="ko-KR" altLang="en-US" smtClean="0"/>
               <a:pPr/>
-              <a:t>2018-12-11</a:t>
+              <a:t>2018-12-13</a:t>
             </a:fld>
             <a:endParaRPr lang="ko-KR" altLang="en-US" dirty="0"/>
           </a:p>
@@ -3167,7 +3167,7 @@
             <a:fld id="{97CD9761-6B96-4BBC-A321-D317D8E7C564}" type="datetime1">
               <a:rPr lang="ko-KR" altLang="en-US" smtClean="0"/>
               <a:pPr/>
-              <a:t>2018-12-11</a:t>
+              <a:t>2018-12-13</a:t>
             </a:fld>
             <a:endParaRPr lang="ko-KR" altLang="en-US" dirty="0"/>
           </a:p>
@@ -3504,7 +3504,7 @@
             <a:fld id="{96DD9EE9-B0D3-429F-B9CA-4B9779BB7761}" type="datetime1">
               <a:rPr lang="ko-KR" altLang="en-US" smtClean="0"/>
               <a:pPr/>
-              <a:t>2018-12-11</a:t>
+              <a:t>2018-12-13</a:t>
             </a:fld>
             <a:endParaRPr lang="ko-KR" altLang="en-US" dirty="0"/>
           </a:p>
@@ -3734,7 +3734,7 @@
             <a:fld id="{11DBD0AD-5711-45AA-9DE6-936CF2BF62F6}" type="datetime1">
               <a:rPr lang="ko-KR" altLang="en-US" smtClean="0"/>
               <a:pPr/>
-              <a:t>2018-12-11</a:t>
+              <a:t>2018-12-13</a:t>
             </a:fld>
             <a:endParaRPr lang="ko-KR" altLang="en-US" dirty="0"/>
           </a:p>
@@ -7878,15 +7878,20 @@
           <a:p>
             <a:pPr lvl="1"/>
             <a:r>
+              <a:rPr lang="ko-KR" altLang="en-US" dirty="0"/>
+              <a:t>알파 </a:t>
+            </a:r>
+            <a:r>
               <a:rPr lang="ko-KR" dirty="0" err="1"/>
               <a:t>블렌딩</a:t>
             </a:r>
-          </a:p>
-          <a:p>
-            <a:endParaRPr lang="ko-KR" altLang="en-US"/>
-          </a:p>
-          <a:p>
-            <a:endParaRPr lang="en-US" altLang="ko-KR"/>
+            <a:endParaRPr lang="ko-KR" dirty="0"/>
+          </a:p>
+          <a:p>
+            <a:endParaRPr lang="ko-KR" altLang="en-US" dirty="0"/>
+          </a:p>
+          <a:p>
+            <a:endParaRPr lang="en-US" altLang="ko-KR" dirty="0"/>
           </a:p>
         </p:txBody>
       </p:sp>
@@ -7964,7 +7969,7 @@
             <p:ph idx="1"/>
             <p:extLst>
               <p:ext uri="{D42A27DB-BD31-4B8C-83A1-F6EECF244321}">
-                <p14:modId xmlns:p14="http://schemas.microsoft.com/office/powerpoint/2010/main" val="2481788738"/>
+                <p14:modId xmlns:p14="http://schemas.microsoft.com/office/powerpoint/2010/main" val="1883183694"/>
               </p:ext>
             </p:extLst>
           </p:nvPr>
@@ -8051,14 +8056,7 @@
                     <a:lstStyle/>
                     <a:p>
                       <a:pPr latinLnBrk="1"/>
-                      <a:r>
-                        <a:rPr lang="ko-KR" altLang="en-US" err="1"/>
-                        <a:t>그치만</a:t>
-                      </a:r>
-                      <a:r>
-                        <a:rPr lang="ko-KR" altLang="en-US"/>
-                        <a:t>..!!</a:t>
-                      </a:r>
+                      <a:endParaRPr lang="ko-KR" altLang="en-US" dirty="0"/>
                     </a:p>
                   </a:txBody>
                   <a:tcPr/>
@@ -9870,7 +9868,7 @@
                     <a:lstStyle/>
                     <a:p>
                       <a:pPr latinLnBrk="1"/>
-                      <a:endParaRPr lang="ko-KR" altLang="en-US"/>
+                      <a:endParaRPr lang="ko-KR" altLang="en-US" dirty="0"/>
                     </a:p>
                   </a:txBody>
                   <a:tcPr>
@@ -18728,15 +18726,6 @@
 </file>
 
 <file path=customXml/item1.xml><?xml version="1.0" encoding="utf-8"?>
-<?mso-contentType ?>
-<FormTemplates xmlns="http://schemas.microsoft.com/sharepoint/v3/contenttype/forms">
-  <Display>DocumentLibraryForm</Display>
-  <Edit>AssetEditForm</Edit>
-  <New>DocumentLibraryForm</New>
-</FormTemplates>
-</file>
-
-<file path=customXml/item2.xml><?xml version="1.0" encoding="utf-8"?>
 <p:properties xmlns:p="http://schemas.microsoft.com/office/2006/metadata/properties" xmlns:xsi="http://www.w3.org/2001/XMLSchema-instance" xmlns:pc="http://schemas.microsoft.com/office/infopath/2007/PartnerControls">
   <documentManagement>
     <DirectSourceMarket xmlns="4873beb7-5857-4685-be1f-d57550cc96cc" xsi:nil="true"/>
@@ -18860,6 +18849,15 @@
     <LocMarketGroupTiers2 xmlns="4873beb7-5857-4685-be1f-d57550cc96cc" xsi:nil="true"/>
   </documentManagement>
 </p:properties>
+</file>
+
+<file path=customXml/item2.xml><?xml version="1.0" encoding="utf-8"?>
+<?mso-contentType ?>
+<FormTemplates xmlns="http://schemas.microsoft.com/sharepoint/v3/contenttype/forms">
+  <Display>DocumentLibraryForm</Display>
+  <Edit>AssetEditForm</Edit>
+  <New>DocumentLibraryForm</New>
+</FormTemplates>
 </file>
 
 <file path=customXml/item3.xml><?xml version="1.0" encoding="utf-8"?>
@@ -19903,14 +19901,6 @@
 </file>
 
 <file path=customXml/itemProps1.xml><?xml version="1.0" encoding="utf-8"?>
-<ds:datastoreItem xmlns:ds="http://schemas.openxmlformats.org/officeDocument/2006/customXml" ds:itemID="{746CFF6F-D9AA-4BC0-911A-0A1356771912}">
-  <ds:schemaRefs>
-    <ds:schemaRef ds:uri="http://schemas.microsoft.com/sharepoint/v3/contenttype/forms"/>
-  </ds:schemaRefs>
-</ds:datastoreItem>
-</file>
-
-<file path=customXml/itemProps2.xml><?xml version="1.0" encoding="utf-8"?>
 <ds:datastoreItem xmlns:ds="http://schemas.openxmlformats.org/officeDocument/2006/customXml" ds:itemID="{04098515-0C12-46CF-BC7C-69B4A13CD5FA}">
   <ds:schemaRefs>
     <ds:schemaRef ds:uri="http://schemas.microsoft.com/office/2006/documentManagement/types"/>
@@ -19922,6 +19912,14 @@
     <ds:schemaRef ds:uri="4873beb7-5857-4685-be1f-d57550cc96cc"/>
     <ds:schemaRef ds:uri="http://www.w3.org/XML/1998/namespace"/>
     <ds:schemaRef ds:uri="http://purl.org/dc/dcmitype/"/>
+  </ds:schemaRefs>
+</ds:datastoreItem>
+</file>
+
+<file path=customXml/itemProps2.xml><?xml version="1.0" encoding="utf-8"?>
+<ds:datastoreItem xmlns:ds="http://schemas.openxmlformats.org/officeDocument/2006/customXml" ds:itemID="{746CFF6F-D9AA-4BC0-911A-0A1356771912}">
+  <ds:schemaRefs>
+    <ds:schemaRef ds:uri="http://schemas.microsoft.com/sharepoint/v3/contenttype/forms"/>
   </ds:schemaRefs>
 </ds:datastoreItem>
 </file>

--- a/기획/UTB_Unknown_Team_Battle.pptx
+++ b/기획/UTB_Unknown_Team_Battle.pptx
@@ -156,9 +156,9 @@
 <file path=ppt/revisionInfo.xml><?xml version="1.0" encoding="utf-8"?>
 <p1510:revInfo xmlns:a="http://schemas.openxmlformats.org/drawingml/2006/main" xmlns:r="http://schemas.openxmlformats.org/officeDocument/2006/relationships" xmlns:p1510="http://schemas.microsoft.com/office/powerpoint/2015/10/main">
   <p1510:revLst>
+    <p1510:client id="{D7CA4587-D5FC-4FAB-B996-1C9A20751F3B}" v="36" dt="2018-12-11T13:06:44.913"/>
+    <p1510:client id="{91ED4AA5-148C-453A-B345-A25638509F71}" v="245" dt="2018-12-11T12:47:40.311"/>
     <p1510:client id="{8B4A6F5F-4A3C-45FB-97A3-6D083CE89004}" v="845" dt="2018-12-11T14:05:36.504"/>
-    <p1510:client id="{91ED4AA5-148C-453A-B345-A25638509F71}" v="245" dt="2018-12-11T12:47:40.311"/>
-    <p1510:client id="{D7CA4587-D5FC-4FAB-B996-1C9A20751F3B}" v="36" dt="2018-12-11T13:06:44.913"/>
     <p1510:client id="{BF50AE04-D7A2-40F9-B45E-12B0EA2F63B9}" v="29" dt="2018-12-11T13:19:19.796"/>
   </p1510:revLst>
 </p1510:revInfo>
@@ -4317,6 +4317,121 @@
               <a:latin typeface="휴먼매직체" panose="02030504000101010101" pitchFamily="18" charset="-127"/>
               <a:ea typeface="휴먼매직체" panose="02030504000101010101" pitchFamily="18" charset="-127"/>
             </a:endParaRPr>
+          </a:p>
+        </p:txBody>
+      </p:sp>
+      <p:sp>
+        <p:nvSpPr>
+          <p:cNvPr id="4" name="직사각형 3">
+            <a:extLst>
+              <a:ext uri="{FF2B5EF4-FFF2-40B4-BE49-F238E27FC236}">
+                <a16:creationId xmlns:a16="http://schemas.microsoft.com/office/drawing/2014/main" id="{9411ED77-85DD-47E0-96B3-D82061AC2078}"/>
+              </a:ext>
+            </a:extLst>
+          </p:cNvPr>
+          <p:cNvSpPr/>
+          <p:nvPr/>
+        </p:nvSpPr>
+        <p:spPr>
+          <a:xfrm>
+            <a:off x="8023142" y="4365104"/>
+            <a:ext cx="2016224" cy="1368152"/>
+          </a:xfrm>
+          <a:prstGeom prst="rect">
+            <a:avLst/>
+          </a:prstGeom>
+          <a:solidFill>
+            <a:schemeClr val="tx1"/>
+          </a:solidFill>
+          <a:ln>
+            <a:solidFill>
+              <a:schemeClr val="bg1"/>
+            </a:solidFill>
+          </a:ln>
+        </p:spPr>
+        <p:style>
+          <a:lnRef idx="2">
+            <a:schemeClr val="accent1">
+              <a:shade val="50000"/>
+            </a:schemeClr>
+          </a:lnRef>
+          <a:fillRef idx="1">
+            <a:schemeClr val="accent1"/>
+          </a:fillRef>
+          <a:effectRef idx="0">
+            <a:schemeClr val="accent1"/>
+          </a:effectRef>
+          <a:fontRef idx="minor">
+            <a:schemeClr val="lt1"/>
+          </a:fontRef>
+        </p:style>
+        <p:txBody>
+          <a:bodyPr rtlCol="0" anchor="ctr"/>
+          <a:lstStyle/>
+          <a:p>
+            <a:pPr algn="ctr"/>
+            <a:endParaRPr lang="ko-KR" altLang="en-US"/>
+          </a:p>
+        </p:txBody>
+      </p:sp>
+      <p:sp>
+        <p:nvSpPr>
+          <p:cNvPr id="5" name="직사각형 4">
+            <a:extLst>
+              <a:ext uri="{FF2B5EF4-FFF2-40B4-BE49-F238E27FC236}">
+                <a16:creationId xmlns:a16="http://schemas.microsoft.com/office/drawing/2014/main" id="{B347720B-43BE-4BE8-BD2F-50116621059C}"/>
+              </a:ext>
+            </a:extLst>
+          </p:cNvPr>
+          <p:cNvSpPr/>
+          <p:nvPr/>
+        </p:nvSpPr>
+        <p:spPr>
+          <a:xfrm>
+            <a:off x="8023142" y="4365104"/>
+            <a:ext cx="2016224" cy="504056"/>
+          </a:xfrm>
+          <a:prstGeom prst="rect">
+            <a:avLst/>
+          </a:prstGeom>
+          <a:solidFill>
+            <a:schemeClr val="tx1"/>
+          </a:solidFill>
+          <a:ln>
+            <a:solidFill>
+              <a:schemeClr val="bg1"/>
+            </a:solidFill>
+          </a:ln>
+        </p:spPr>
+        <p:style>
+          <a:lnRef idx="2">
+            <a:schemeClr val="accent1">
+              <a:shade val="50000"/>
+            </a:schemeClr>
+          </a:lnRef>
+          <a:fillRef idx="1">
+            <a:schemeClr val="accent1"/>
+          </a:fillRef>
+          <a:effectRef idx="0">
+            <a:schemeClr val="accent1"/>
+          </a:effectRef>
+          <a:fontRef idx="minor">
+            <a:schemeClr val="lt1"/>
+          </a:fontRef>
+        </p:style>
+        <p:txBody>
+          <a:bodyPr rtlCol="0" anchor="ctr"/>
+          <a:lstStyle/>
+          <a:p>
+            <a:pPr algn="ctr"/>
+            <a:r>
+              <a:rPr lang="ko-KR" altLang="en-US" dirty="0">
+                <a:solidFill>
+                  <a:schemeClr val="bg1"/>
+                </a:solidFill>
+              </a:rPr>
+              <a:t>지도교수 서명</a:t>
+            </a:r>
           </a:p>
         </p:txBody>
       </p:sp>
@@ -18726,6 +18841,15 @@
 </file>
 
 <file path=customXml/item1.xml><?xml version="1.0" encoding="utf-8"?>
+<?mso-contentType ?>
+<FormTemplates xmlns="http://schemas.microsoft.com/sharepoint/v3/contenttype/forms">
+  <Display>DocumentLibraryForm</Display>
+  <Edit>AssetEditForm</Edit>
+  <New>DocumentLibraryForm</New>
+</FormTemplates>
+</file>
+
+<file path=customXml/item2.xml><?xml version="1.0" encoding="utf-8"?>
 <p:properties xmlns:p="http://schemas.microsoft.com/office/2006/metadata/properties" xmlns:xsi="http://www.w3.org/2001/XMLSchema-instance" xmlns:pc="http://schemas.microsoft.com/office/infopath/2007/PartnerControls">
   <documentManagement>
     <DirectSourceMarket xmlns="4873beb7-5857-4685-be1f-d57550cc96cc" xsi:nil="true"/>
@@ -18849,15 +18973,6 @@
     <LocMarketGroupTiers2 xmlns="4873beb7-5857-4685-be1f-d57550cc96cc" xsi:nil="true"/>
   </documentManagement>
 </p:properties>
-</file>
-
-<file path=customXml/item2.xml><?xml version="1.0" encoding="utf-8"?>
-<?mso-contentType ?>
-<FormTemplates xmlns="http://schemas.microsoft.com/sharepoint/v3/contenttype/forms">
-  <Display>DocumentLibraryForm</Display>
-  <Edit>AssetEditForm</Edit>
-  <New>DocumentLibraryForm</New>
-</FormTemplates>
 </file>
 
 <file path=customXml/item3.xml><?xml version="1.0" encoding="utf-8"?>
@@ -19901,6 +20016,14 @@
 </file>
 
 <file path=customXml/itemProps1.xml><?xml version="1.0" encoding="utf-8"?>
+<ds:datastoreItem xmlns:ds="http://schemas.openxmlformats.org/officeDocument/2006/customXml" ds:itemID="{746CFF6F-D9AA-4BC0-911A-0A1356771912}">
+  <ds:schemaRefs>
+    <ds:schemaRef ds:uri="http://schemas.microsoft.com/sharepoint/v3/contenttype/forms"/>
+  </ds:schemaRefs>
+</ds:datastoreItem>
+</file>
+
+<file path=customXml/itemProps2.xml><?xml version="1.0" encoding="utf-8"?>
 <ds:datastoreItem xmlns:ds="http://schemas.openxmlformats.org/officeDocument/2006/customXml" ds:itemID="{04098515-0C12-46CF-BC7C-69B4A13CD5FA}">
   <ds:schemaRefs>
     <ds:schemaRef ds:uri="http://schemas.microsoft.com/office/2006/documentManagement/types"/>
@@ -19912,14 +20035,6 @@
     <ds:schemaRef ds:uri="4873beb7-5857-4685-be1f-d57550cc96cc"/>
     <ds:schemaRef ds:uri="http://www.w3.org/XML/1998/namespace"/>
     <ds:schemaRef ds:uri="http://purl.org/dc/dcmitype/"/>
-  </ds:schemaRefs>
-</ds:datastoreItem>
-</file>
-
-<file path=customXml/itemProps2.xml><?xml version="1.0" encoding="utf-8"?>
-<ds:datastoreItem xmlns:ds="http://schemas.openxmlformats.org/officeDocument/2006/customXml" ds:itemID="{746CFF6F-D9AA-4BC0-911A-0A1356771912}">
-  <ds:schemaRefs>
-    <ds:schemaRef ds:uri="http://schemas.microsoft.com/sharepoint/v3/contenttype/forms"/>
   </ds:schemaRefs>
 </ds:datastoreItem>
 </file>

--- a/기획/UTB_Unknown_Team_Battle.pptx
+++ b/기획/UTB_Unknown_Team_Battle.pptx
@@ -127,7 +127,7 @@
   </p:defaultTextStyle>
   <p:extLst>
     <p:ext uri="{EFAFB233-063F-42B5-8137-9DF3F51BA10A}">
-      <p15:sldGuideLst xmlns:p15="http://schemas.microsoft.com/office/powerpoint/2012/main">
+      <p15:sldGuideLst xmlns:p15="http://schemas.microsoft.com/office/powerpoint/2012/main" xmlns="">
         <p15:guide id="1" pos="3840" userDrawn="1">
           <p15:clr>
             <a:srgbClr val="A4A3A4"/>
@@ -141,7 +141,7 @@
       </p15:sldGuideLst>
     </p:ext>
     <p:ext uri="{2D200454-40CA-4A62-9FC3-DE9A4176ACB9}">
-      <p15:notesGuideLst xmlns:p15="http://schemas.microsoft.com/office/powerpoint/2012/main"/>
+      <p15:notesGuideLst xmlns:p15="http://schemas.microsoft.com/office/powerpoint/2012/main" xmlns=""/>
     </p:ext>
   </p:extLst>
 </p:presentation>
@@ -1550,7 +1550,7 @@
           <p:cNvPr id="7" name="직사각형 6">
             <a:extLst>
               <a:ext uri="{FF2B5EF4-FFF2-40B4-BE49-F238E27FC236}">
-                <a16:creationId xmlns:a16="http://schemas.microsoft.com/office/drawing/2014/main" id="{FD70023C-D37B-47BE-AB36-0ACDDF758736}"/>
+                <a16:creationId xmlns:a16="http://schemas.microsoft.com/office/drawing/2014/main" xmlns="" id="{FD70023C-D37B-47BE-AB36-0ACDDF758736}"/>
               </a:ext>
             </a:extLst>
           </p:cNvPr>
@@ -4163,7 +4163,7 @@
   </p:txStyles>
   <p:extLst mod="1">
     <p:ext uri="{27BBF7A9-308A-43DC-89C8-2F10F3537804}">
-      <p15:sldGuideLst xmlns:p15="http://schemas.microsoft.com/office/powerpoint/2012/main">
+      <p15:sldGuideLst xmlns:p15="http://schemas.microsoft.com/office/powerpoint/2012/main" xmlns="">
         <p15:guide id="1" orient="horz" pos="2160">
           <p15:clr>
             <a:srgbClr val="F26B43"/>
@@ -4325,7 +4325,7 @@
           <p:cNvPr id="4" name="직사각형 3">
             <a:extLst>
               <a:ext uri="{FF2B5EF4-FFF2-40B4-BE49-F238E27FC236}">
-                <a16:creationId xmlns:a16="http://schemas.microsoft.com/office/drawing/2014/main" id="{9411ED77-85DD-47E0-96B3-D82061AC2078}"/>
+                <a16:creationId xmlns:a16="http://schemas.microsoft.com/office/drawing/2014/main" xmlns="" id="{9411ED77-85DD-47E0-96B3-D82061AC2078}"/>
               </a:ext>
             </a:extLst>
           </p:cNvPr>
@@ -4379,7 +4379,7 @@
           <p:cNvPr id="5" name="직사각형 4">
             <a:extLst>
               <a:ext uri="{FF2B5EF4-FFF2-40B4-BE49-F238E27FC236}">
-                <a16:creationId xmlns:a16="http://schemas.microsoft.com/office/drawing/2014/main" id="{B347720B-43BE-4BE8-BD2F-50116621059C}"/>
+                <a16:creationId xmlns:a16="http://schemas.microsoft.com/office/drawing/2014/main" xmlns="" id="{B347720B-43BE-4BE8-BD2F-50116621059C}"/>
               </a:ext>
             </a:extLst>
           </p:cNvPr>
@@ -4482,7 +4482,7 @@
           <p:cNvPr id="2" name="제목 1">
             <a:extLst>
               <a:ext uri="{FF2B5EF4-FFF2-40B4-BE49-F238E27FC236}">
-                <a16:creationId xmlns:a16="http://schemas.microsoft.com/office/drawing/2014/main" id="{7D1731D5-9145-474D-B443-77985EBEC719}"/>
+                <a16:creationId xmlns:a16="http://schemas.microsoft.com/office/drawing/2014/main" xmlns="" id="{7D1731D5-9145-474D-B443-77985EBEC719}"/>
               </a:ext>
             </a:extLst>
           </p:cNvPr>
@@ -4523,7 +4523,7 @@
           <p:cNvPr id="5" name="내용 개체 틀 4" descr="키보드, 컴퓨터, 전자기기, 실내이(가) 표시된 사진&#10;&#10;매우 높은 신뢰도로 생성된 설명">
             <a:extLst>
               <a:ext uri="{FF2B5EF4-FFF2-40B4-BE49-F238E27FC236}">
-                <a16:creationId xmlns:a16="http://schemas.microsoft.com/office/drawing/2014/main" id="{9802A8B6-A37D-4210-8470-65F964C43190}"/>
+                <a16:creationId xmlns:a16="http://schemas.microsoft.com/office/drawing/2014/main" xmlns="" id="{9802A8B6-A37D-4210-8470-65F964C43190}"/>
               </a:ext>
             </a:extLst>
           </p:cNvPr>
@@ -4558,7 +4558,7 @@
           <p:cNvPr id="6" name="자유형: 도형 5">
             <a:extLst>
               <a:ext uri="{FF2B5EF4-FFF2-40B4-BE49-F238E27FC236}">
-                <a16:creationId xmlns:a16="http://schemas.microsoft.com/office/drawing/2014/main" id="{ECC3BE95-A51B-46F9-B863-37B4952986E1}"/>
+                <a16:creationId xmlns:a16="http://schemas.microsoft.com/office/drawing/2014/main" xmlns="" id="{ECC3BE95-A51B-46F9-B863-37B4952986E1}"/>
               </a:ext>
             </a:extLst>
           </p:cNvPr>
@@ -4693,7 +4693,7 @@
           <p:cNvPr id="14" name="그룹 13">
             <a:extLst>
               <a:ext uri="{FF2B5EF4-FFF2-40B4-BE49-F238E27FC236}">
-                <a16:creationId xmlns:a16="http://schemas.microsoft.com/office/drawing/2014/main" id="{681636BD-AA74-4D45-B166-6BB00787073E}"/>
+                <a16:creationId xmlns:a16="http://schemas.microsoft.com/office/drawing/2014/main" xmlns="" id="{681636BD-AA74-4D45-B166-6BB00787073E}"/>
               </a:ext>
             </a:extLst>
           </p:cNvPr>
@@ -4713,7 +4713,7 @@
             <p:cNvPr id="10" name="그림 9" descr="실내, 앉아있는, 하얀색이(가) 표시된 사진&#10;&#10;높은 신뢰도로 생성된 설명">
               <a:extLst>
                 <a:ext uri="{FF2B5EF4-FFF2-40B4-BE49-F238E27FC236}">
-                  <a16:creationId xmlns:a16="http://schemas.microsoft.com/office/drawing/2014/main" id="{48FE9C8F-9256-4A11-9133-562C3E2D0A7A}"/>
+                  <a16:creationId xmlns:a16="http://schemas.microsoft.com/office/drawing/2014/main" xmlns="" id="{48FE9C8F-9256-4A11-9133-562C3E2D0A7A}"/>
                 </a:ext>
               </a:extLst>
             </p:cNvPr>
@@ -4749,7 +4749,7 @@
             <p:cNvPr id="11" name="직사각형 10">
               <a:extLst>
                 <a:ext uri="{FF2B5EF4-FFF2-40B4-BE49-F238E27FC236}">
-                  <a16:creationId xmlns:a16="http://schemas.microsoft.com/office/drawing/2014/main" id="{E9E7C986-1865-4ECF-A53B-6A2590462A2B}"/>
+                  <a16:creationId xmlns:a16="http://schemas.microsoft.com/office/drawing/2014/main" xmlns="" id="{E9E7C986-1865-4ECF-A53B-6A2590462A2B}"/>
                 </a:ext>
               </a:extLst>
             </p:cNvPr>
@@ -4801,7 +4801,7 @@
             <p:cNvPr id="12" name="직사각형 11">
               <a:extLst>
                 <a:ext uri="{FF2B5EF4-FFF2-40B4-BE49-F238E27FC236}">
-                  <a16:creationId xmlns:a16="http://schemas.microsoft.com/office/drawing/2014/main" id="{ECD5504A-FEEF-48BF-B9F4-F47BACF3B25D}"/>
+                  <a16:creationId xmlns:a16="http://schemas.microsoft.com/office/drawing/2014/main" xmlns="" id="{ECD5504A-FEEF-48BF-B9F4-F47BACF3B25D}"/>
                 </a:ext>
               </a:extLst>
             </p:cNvPr>
@@ -4854,7 +4854,7 @@
           <p:cNvPr id="13" name="직사각형 12">
             <a:extLst>
               <a:ext uri="{FF2B5EF4-FFF2-40B4-BE49-F238E27FC236}">
-                <a16:creationId xmlns:a16="http://schemas.microsoft.com/office/drawing/2014/main" id="{E9E442E7-6137-4528-8A86-DD475CE9CCF1}"/>
+                <a16:creationId xmlns:a16="http://schemas.microsoft.com/office/drawing/2014/main" xmlns="" id="{E9E442E7-6137-4528-8A86-DD475CE9CCF1}"/>
               </a:ext>
             </a:extLst>
           </p:cNvPr>
@@ -4906,7 +4906,7 @@
           <p:cNvPr id="16" name="직선 연결선 15">
             <a:extLst>
               <a:ext uri="{FF2B5EF4-FFF2-40B4-BE49-F238E27FC236}">
-                <a16:creationId xmlns:a16="http://schemas.microsoft.com/office/drawing/2014/main" id="{4205DBA1-F489-454C-8F27-D5B989CF39EE}"/>
+                <a16:creationId xmlns:a16="http://schemas.microsoft.com/office/drawing/2014/main" xmlns="" id="{4205DBA1-F489-454C-8F27-D5B989CF39EE}"/>
               </a:ext>
             </a:extLst>
           </p:cNvPr>
@@ -4947,7 +4947,7 @@
           <p:cNvPr id="17" name="TextBox 16">
             <a:extLst>
               <a:ext uri="{FF2B5EF4-FFF2-40B4-BE49-F238E27FC236}">
-                <a16:creationId xmlns:a16="http://schemas.microsoft.com/office/drawing/2014/main" id="{0451646C-AE07-4DFD-A47C-8FF325910CA8}"/>
+                <a16:creationId xmlns:a16="http://schemas.microsoft.com/office/drawing/2014/main" xmlns="" id="{0451646C-AE07-4DFD-A47C-8FF325910CA8}"/>
               </a:ext>
             </a:extLst>
           </p:cNvPr>
@@ -5006,7 +5006,7 @@
           <p:cNvPr id="19" name="직선 연결선 18">
             <a:extLst>
               <a:ext uri="{FF2B5EF4-FFF2-40B4-BE49-F238E27FC236}">
-                <a16:creationId xmlns:a16="http://schemas.microsoft.com/office/drawing/2014/main" id="{3B0F549B-A0A3-4EE8-8765-8714370EF0CA}"/>
+                <a16:creationId xmlns:a16="http://schemas.microsoft.com/office/drawing/2014/main" xmlns="" id="{3B0F549B-A0A3-4EE8-8765-8714370EF0CA}"/>
               </a:ext>
             </a:extLst>
           </p:cNvPr>
@@ -5049,7 +5049,7 @@
           <p:cNvPr id="20" name="TextBox 19">
             <a:extLst>
               <a:ext uri="{FF2B5EF4-FFF2-40B4-BE49-F238E27FC236}">
-                <a16:creationId xmlns:a16="http://schemas.microsoft.com/office/drawing/2014/main" id="{6F3DA2EC-6B4D-46FB-9D7A-D32F5A1E459E}"/>
+                <a16:creationId xmlns:a16="http://schemas.microsoft.com/office/drawing/2014/main" xmlns="" id="{6F3DA2EC-6B4D-46FB-9D7A-D32F5A1E459E}"/>
               </a:ext>
             </a:extLst>
           </p:cNvPr>
@@ -5090,7 +5090,7 @@
           <p:cNvPr id="22" name="연결선: 꺾임 21">
             <a:extLst>
               <a:ext uri="{FF2B5EF4-FFF2-40B4-BE49-F238E27FC236}">
-                <a16:creationId xmlns:a16="http://schemas.microsoft.com/office/drawing/2014/main" id="{76F5562B-FBC5-4931-A92A-74201F5615DC}"/>
+                <a16:creationId xmlns:a16="http://schemas.microsoft.com/office/drawing/2014/main" xmlns="" id="{76F5562B-FBC5-4931-A92A-74201F5615DC}"/>
               </a:ext>
             </a:extLst>
           </p:cNvPr>
@@ -5134,7 +5134,7 @@
           <p:cNvPr id="26" name="연결선: 꺾임 25">
             <a:extLst>
               <a:ext uri="{FF2B5EF4-FFF2-40B4-BE49-F238E27FC236}">
-                <a16:creationId xmlns:a16="http://schemas.microsoft.com/office/drawing/2014/main" id="{5A58C945-413E-4336-8A71-1A58898C5811}"/>
+                <a16:creationId xmlns:a16="http://schemas.microsoft.com/office/drawing/2014/main" xmlns="" id="{5A58C945-413E-4336-8A71-1A58898C5811}"/>
               </a:ext>
             </a:extLst>
           </p:cNvPr>
@@ -5183,7 +5183,7 @@
           <p:cNvPr id="27" name="TextBox 26">
             <a:extLst>
               <a:ext uri="{FF2B5EF4-FFF2-40B4-BE49-F238E27FC236}">
-                <a16:creationId xmlns:a16="http://schemas.microsoft.com/office/drawing/2014/main" id="{4D101FF4-1BF7-43E8-A2BA-76E8A80B4161}"/>
+                <a16:creationId xmlns:a16="http://schemas.microsoft.com/office/drawing/2014/main" xmlns="" id="{4D101FF4-1BF7-43E8-A2BA-76E8A80B4161}"/>
               </a:ext>
             </a:extLst>
           </p:cNvPr>
@@ -5213,9 +5213,10 @@
           <a:p>
             <a:pPr algn="ctr"/>
             <a:r>
-              <a:rPr lang="ko-KR" altLang="en-US" dirty="0"/>
-              <a:t>주무기</a:t>
-            </a:r>
+              <a:rPr lang="ko-KR" altLang="en-US" dirty="0" smtClean="0"/>
+              <a:t>주공격</a:t>
+            </a:r>
+            <a:endParaRPr lang="ko-KR" altLang="en-US" dirty="0"/>
           </a:p>
         </p:txBody>
       </p:sp>
@@ -5224,7 +5225,7 @@
           <p:cNvPr id="28" name="TextBox 27">
             <a:extLst>
               <a:ext uri="{FF2B5EF4-FFF2-40B4-BE49-F238E27FC236}">
-                <a16:creationId xmlns:a16="http://schemas.microsoft.com/office/drawing/2014/main" id="{AAA59879-D6C3-4960-A6E5-C01CB1F8915E}"/>
+                <a16:creationId xmlns:a16="http://schemas.microsoft.com/office/drawing/2014/main" xmlns="" id="{AAA59879-D6C3-4960-A6E5-C01CB1F8915E}"/>
               </a:ext>
             </a:extLst>
           </p:cNvPr>
@@ -5254,8 +5255,12 @@
           <a:p>
             <a:pPr algn="ctr"/>
             <a:r>
-              <a:rPr lang="ko-KR" altLang="en-US"/>
-              <a:t>보조무기</a:t>
+              <a:rPr lang="ko-KR" altLang="en-US" dirty="0" smtClean="0"/>
+              <a:t>특수공</a:t>
+            </a:r>
+            <a:r>
+              <a:rPr lang="ko-KR" altLang="en-US" dirty="0"/>
+              <a:t>격</a:t>
             </a:r>
             <a:endParaRPr lang="ko-KR" altLang="en-US" dirty="0"/>
           </a:p>
@@ -5266,7 +5271,7 @@
           <p:cNvPr id="29" name="직사각형 28">
             <a:extLst>
               <a:ext uri="{FF2B5EF4-FFF2-40B4-BE49-F238E27FC236}">
-                <a16:creationId xmlns:a16="http://schemas.microsoft.com/office/drawing/2014/main" id="{F047B941-04EB-4862-B8F5-928AC92E2A70}"/>
+                <a16:creationId xmlns:a16="http://schemas.microsoft.com/office/drawing/2014/main" xmlns="" id="{F047B941-04EB-4862-B8F5-928AC92E2A70}"/>
               </a:ext>
             </a:extLst>
           </p:cNvPr>
@@ -5318,7 +5323,7 @@
           <p:cNvPr id="31" name="연결선: 꺾임 30">
             <a:extLst>
               <a:ext uri="{FF2B5EF4-FFF2-40B4-BE49-F238E27FC236}">
-                <a16:creationId xmlns:a16="http://schemas.microsoft.com/office/drawing/2014/main" id="{BE66DFBF-4CC6-4F78-9AB3-46D2AC4E1AB3}"/>
+                <a16:creationId xmlns:a16="http://schemas.microsoft.com/office/drawing/2014/main" xmlns="" id="{BE66DFBF-4CC6-4F78-9AB3-46D2AC4E1AB3}"/>
               </a:ext>
             </a:extLst>
           </p:cNvPr>
@@ -5360,7 +5365,7 @@
           <p:cNvPr id="35" name="TextBox 34">
             <a:extLst>
               <a:ext uri="{FF2B5EF4-FFF2-40B4-BE49-F238E27FC236}">
-                <a16:creationId xmlns:a16="http://schemas.microsoft.com/office/drawing/2014/main" id="{10D47F14-9000-4FD9-8E93-CDF0FD1848E3}"/>
+                <a16:creationId xmlns:a16="http://schemas.microsoft.com/office/drawing/2014/main" xmlns="" id="{10D47F14-9000-4FD9-8E93-CDF0FD1848E3}"/>
               </a:ext>
             </a:extLst>
           </p:cNvPr>
@@ -5402,7 +5407,7 @@
           <p:cNvPr id="21" name="TextBox 20">
             <a:extLst>
               <a:ext uri="{FF2B5EF4-FFF2-40B4-BE49-F238E27FC236}">
-                <a16:creationId xmlns:a16="http://schemas.microsoft.com/office/drawing/2014/main" id="{A4DDDE51-934A-445D-8879-18CEB83278F1}"/>
+                <a16:creationId xmlns:a16="http://schemas.microsoft.com/office/drawing/2014/main" xmlns="" id="{A4DDDE51-934A-445D-8879-18CEB83278F1}"/>
               </a:ext>
             </a:extLst>
           </p:cNvPr>
@@ -5462,7 +5467,7 @@
           <p:cNvPr id="23" name="TextBox 22">
             <a:extLst>
               <a:ext uri="{FF2B5EF4-FFF2-40B4-BE49-F238E27FC236}">
-                <a16:creationId xmlns:a16="http://schemas.microsoft.com/office/drawing/2014/main" id="{27FCF81A-7616-488A-A666-B0416A6CCE8A}"/>
+                <a16:creationId xmlns:a16="http://schemas.microsoft.com/office/drawing/2014/main" xmlns="" id="{27FCF81A-7616-488A-A666-B0416A6CCE8A}"/>
               </a:ext>
             </a:extLst>
           </p:cNvPr>
@@ -5552,7 +5557,7 @@
           <p:cNvPr id="2" name="제목 1">
             <a:extLst>
               <a:ext uri="{FF2B5EF4-FFF2-40B4-BE49-F238E27FC236}">
-                <a16:creationId xmlns:a16="http://schemas.microsoft.com/office/drawing/2014/main" id="{E465285D-E0A6-41A4-980A-C551E5617B70}"/>
+                <a16:creationId xmlns:a16="http://schemas.microsoft.com/office/drawing/2014/main" xmlns="" id="{E465285D-E0A6-41A4-980A-C551E5617B70}"/>
               </a:ext>
             </a:extLst>
           </p:cNvPr>
@@ -5593,7 +5598,7 @@
           <p:cNvPr id="3" name="내용 개체 틀 2">
             <a:extLst>
               <a:ext uri="{FF2B5EF4-FFF2-40B4-BE49-F238E27FC236}">
-                <a16:creationId xmlns:a16="http://schemas.microsoft.com/office/drawing/2014/main" id="{46B44B7F-6892-4433-92C1-FC934F0BD62D}"/>
+                <a16:creationId xmlns:a16="http://schemas.microsoft.com/office/drawing/2014/main" xmlns="" id="{46B44B7F-6892-4433-92C1-FC934F0BD62D}"/>
               </a:ext>
             </a:extLst>
           </p:cNvPr>
@@ -5723,7 +5728,7 @@
           <p:cNvPr id="2" name="제목 1">
             <a:extLst>
               <a:ext uri="{FF2B5EF4-FFF2-40B4-BE49-F238E27FC236}">
-                <a16:creationId xmlns:a16="http://schemas.microsoft.com/office/drawing/2014/main" id="{B1071FA5-09D2-4B13-AD83-44A580EC6B87}"/>
+                <a16:creationId xmlns:a16="http://schemas.microsoft.com/office/drawing/2014/main" xmlns="" id="{B1071FA5-09D2-4B13-AD83-44A580EC6B87}"/>
               </a:ext>
             </a:extLst>
           </p:cNvPr>
@@ -5751,7 +5756,7 @@
           <p:cNvPr id="3" name="내용 개체 틀 2">
             <a:extLst>
               <a:ext uri="{FF2B5EF4-FFF2-40B4-BE49-F238E27FC236}">
-                <a16:creationId xmlns:a16="http://schemas.microsoft.com/office/drawing/2014/main" id="{7FDE350A-B6C7-457C-8DBA-F9E47FCDDB8F}"/>
+                <a16:creationId xmlns:a16="http://schemas.microsoft.com/office/drawing/2014/main" xmlns="" id="{7FDE350A-B6C7-457C-8DBA-F9E47FCDDB8F}"/>
               </a:ext>
             </a:extLst>
           </p:cNvPr>
@@ -5846,7 +5851,7 @@
           <p:cNvPr id="2" name="제목 1">
             <a:extLst>
               <a:ext uri="{FF2B5EF4-FFF2-40B4-BE49-F238E27FC236}">
-                <a16:creationId xmlns:a16="http://schemas.microsoft.com/office/drawing/2014/main" id="{FC13F564-3B99-4606-83B2-8AC58855201A}"/>
+                <a16:creationId xmlns:a16="http://schemas.microsoft.com/office/drawing/2014/main" xmlns="" id="{FC13F564-3B99-4606-83B2-8AC58855201A}"/>
               </a:ext>
             </a:extLst>
           </p:cNvPr>
@@ -5874,7 +5879,7 @@
           <p:cNvPr id="4" name="텍스트 개체 틀 2">
             <a:extLst>
               <a:ext uri="{FF2B5EF4-FFF2-40B4-BE49-F238E27FC236}">
-                <a16:creationId xmlns:a16="http://schemas.microsoft.com/office/drawing/2014/main" id="{6159944D-99DB-41B5-9498-B08C74CDBE40}"/>
+                <a16:creationId xmlns:a16="http://schemas.microsoft.com/office/drawing/2014/main" xmlns="" id="{6159944D-99DB-41B5-9498-B08C74CDBE40}"/>
               </a:ext>
             </a:extLst>
           </p:cNvPr>
@@ -6122,7 +6127,7 @@
           <p:cNvPr id="5" name="내용 개체 틀 3">
             <a:extLst>
               <a:ext uri="{FF2B5EF4-FFF2-40B4-BE49-F238E27FC236}">
-                <a16:creationId xmlns:a16="http://schemas.microsoft.com/office/drawing/2014/main" id="{6E5F5EBE-92A7-4B08-B63D-B38B9F7F20D8}"/>
+                <a16:creationId xmlns:a16="http://schemas.microsoft.com/office/drawing/2014/main" xmlns="" id="{6E5F5EBE-92A7-4B08-B63D-B38B9F7F20D8}"/>
               </a:ext>
             </a:extLst>
           </p:cNvPr>
@@ -6392,7 +6397,7 @@
           <p:cNvPr id="6" name="텍스트 개체 틀 4">
             <a:extLst>
               <a:ext uri="{FF2B5EF4-FFF2-40B4-BE49-F238E27FC236}">
-                <a16:creationId xmlns:a16="http://schemas.microsoft.com/office/drawing/2014/main" id="{9814E55A-4E67-4B60-9709-3A80B5E21F37}"/>
+                <a16:creationId xmlns:a16="http://schemas.microsoft.com/office/drawing/2014/main" xmlns="" id="{9814E55A-4E67-4B60-9709-3A80B5E21F37}"/>
               </a:ext>
             </a:extLst>
           </p:cNvPr>
@@ -6646,7 +6651,7 @@
           <p:cNvPr id="7" name="내용 개체 틀 5">
             <a:extLst>
               <a:ext uri="{FF2B5EF4-FFF2-40B4-BE49-F238E27FC236}">
-                <a16:creationId xmlns:a16="http://schemas.microsoft.com/office/drawing/2014/main" id="{09275461-9D96-417A-B70C-375B422EABCB}"/>
+                <a16:creationId xmlns:a16="http://schemas.microsoft.com/office/drawing/2014/main" xmlns="" id="{09275461-9D96-417A-B70C-375B422EABCB}"/>
               </a:ext>
             </a:extLst>
           </p:cNvPr>
@@ -6954,7 +6959,7 @@
           <p:cNvPr id="2" name="제목 1">
             <a:extLst>
               <a:ext uri="{FF2B5EF4-FFF2-40B4-BE49-F238E27FC236}">
-                <a16:creationId xmlns:a16="http://schemas.microsoft.com/office/drawing/2014/main" id="{FC13F564-3B99-4606-83B2-8AC58855201A}"/>
+                <a16:creationId xmlns:a16="http://schemas.microsoft.com/office/drawing/2014/main" xmlns="" id="{FC13F564-3B99-4606-83B2-8AC58855201A}"/>
               </a:ext>
             </a:extLst>
           </p:cNvPr>
@@ -6982,7 +6987,7 @@
           <p:cNvPr id="4" name="텍스트 개체 틀 2">
             <a:extLst>
               <a:ext uri="{FF2B5EF4-FFF2-40B4-BE49-F238E27FC236}">
-                <a16:creationId xmlns:a16="http://schemas.microsoft.com/office/drawing/2014/main" id="{6159944D-99DB-41B5-9498-B08C74CDBE40}"/>
+                <a16:creationId xmlns:a16="http://schemas.microsoft.com/office/drawing/2014/main" xmlns="" id="{6159944D-99DB-41B5-9498-B08C74CDBE40}"/>
               </a:ext>
             </a:extLst>
           </p:cNvPr>
@@ -7221,7 +7226,7 @@
           <p:cNvPr id="5" name="내용 개체 틀 3">
             <a:extLst>
               <a:ext uri="{FF2B5EF4-FFF2-40B4-BE49-F238E27FC236}">
-                <a16:creationId xmlns:a16="http://schemas.microsoft.com/office/drawing/2014/main" id="{6E5F5EBE-92A7-4B08-B63D-B38B9F7F20D8}"/>
+                <a16:creationId xmlns:a16="http://schemas.microsoft.com/office/drawing/2014/main" xmlns="" id="{6E5F5EBE-92A7-4B08-B63D-B38B9F7F20D8}"/>
               </a:ext>
             </a:extLst>
           </p:cNvPr>
@@ -7492,7 +7497,7 @@
           <p:cNvPr id="6" name="텍스트 개체 틀 4">
             <a:extLst>
               <a:ext uri="{FF2B5EF4-FFF2-40B4-BE49-F238E27FC236}">
-                <a16:creationId xmlns:a16="http://schemas.microsoft.com/office/drawing/2014/main" id="{9814E55A-4E67-4B60-9709-3A80B5E21F37}"/>
+                <a16:creationId xmlns:a16="http://schemas.microsoft.com/office/drawing/2014/main" xmlns="" id="{9814E55A-4E67-4B60-9709-3A80B5E21F37}"/>
               </a:ext>
             </a:extLst>
           </p:cNvPr>
@@ -7730,7 +7735,7 @@
           <p:cNvPr id="7" name="내용 개체 틀 5">
             <a:extLst>
               <a:ext uri="{FF2B5EF4-FFF2-40B4-BE49-F238E27FC236}">
-                <a16:creationId xmlns:a16="http://schemas.microsoft.com/office/drawing/2014/main" id="{09275461-9D96-417A-B70C-375B422EABCB}"/>
+                <a16:creationId xmlns:a16="http://schemas.microsoft.com/office/drawing/2014/main" xmlns="" id="{09275461-9D96-417A-B70C-375B422EABCB}"/>
               </a:ext>
             </a:extLst>
           </p:cNvPr>
@@ -8045,7 +8050,7 @@
           <p:cNvPr id="2" name="제목 1">
             <a:extLst>
               <a:ext uri="{FF2B5EF4-FFF2-40B4-BE49-F238E27FC236}">
-                <a16:creationId xmlns:a16="http://schemas.microsoft.com/office/drawing/2014/main" id="{84ADE4AD-147E-4776-9CAC-63808C9E04BB}"/>
+                <a16:creationId xmlns:a16="http://schemas.microsoft.com/office/drawing/2014/main" xmlns="" id="{84ADE4AD-147E-4776-9CAC-63808C9E04BB}"/>
               </a:ext>
             </a:extLst>
           </p:cNvPr>
@@ -8073,7 +8078,7 @@
           <p:cNvPr id="10" name="표 10">
             <a:extLst>
               <a:ext uri="{FF2B5EF4-FFF2-40B4-BE49-F238E27FC236}">
-                <a16:creationId xmlns:a16="http://schemas.microsoft.com/office/drawing/2014/main" id="{FCA8325B-8B08-4144-8810-B95A01B0ED3E}"/>
+                <a16:creationId xmlns:a16="http://schemas.microsoft.com/office/drawing/2014/main" xmlns="" id="{FCA8325B-8B08-4144-8810-B95A01B0ED3E}"/>
               </a:ext>
             </a:extLst>
           </p:cNvPr>
@@ -8103,63 +8108,63 @@
                 <a:gridCol w="2286000">
                   <a:extLst>
                     <a:ext uri="{9D8B030D-6E8A-4147-A177-3AD203B41FA5}">
-                      <a16:colId xmlns:a16="http://schemas.microsoft.com/office/drawing/2014/main" val="3756278834"/>
+                      <a16:colId xmlns:a16="http://schemas.microsoft.com/office/drawing/2014/main" xmlns="" val="3756278834"/>
                     </a:ext>
                   </a:extLst>
                 </a:gridCol>
                 <a:gridCol w="914400">
                   <a:extLst>
                     <a:ext uri="{9D8B030D-6E8A-4147-A177-3AD203B41FA5}">
-                      <a16:colId xmlns:a16="http://schemas.microsoft.com/office/drawing/2014/main" val="2987204459"/>
+                      <a16:colId xmlns:a16="http://schemas.microsoft.com/office/drawing/2014/main" xmlns="" val="2987204459"/>
                     </a:ext>
                   </a:extLst>
                 </a:gridCol>
                 <a:gridCol w="914400">
                   <a:extLst>
                     <a:ext uri="{9D8B030D-6E8A-4147-A177-3AD203B41FA5}">
-                      <a16:colId xmlns:a16="http://schemas.microsoft.com/office/drawing/2014/main" val="828058564"/>
+                      <a16:colId xmlns:a16="http://schemas.microsoft.com/office/drawing/2014/main" xmlns="" val="828058564"/>
                     </a:ext>
                   </a:extLst>
                 </a:gridCol>
                 <a:gridCol w="914400">
                   <a:extLst>
                     <a:ext uri="{9D8B030D-6E8A-4147-A177-3AD203B41FA5}">
-                      <a16:colId xmlns:a16="http://schemas.microsoft.com/office/drawing/2014/main" val="2068612123"/>
+                      <a16:colId xmlns:a16="http://schemas.microsoft.com/office/drawing/2014/main" xmlns="" val="2068612123"/>
                     </a:ext>
                   </a:extLst>
                 </a:gridCol>
                 <a:gridCol w="914400">
                   <a:extLst>
                     <a:ext uri="{9D8B030D-6E8A-4147-A177-3AD203B41FA5}">
-                      <a16:colId xmlns:a16="http://schemas.microsoft.com/office/drawing/2014/main" val="2923675091"/>
+                      <a16:colId xmlns:a16="http://schemas.microsoft.com/office/drawing/2014/main" xmlns="" val="2923675091"/>
                     </a:ext>
                   </a:extLst>
                 </a:gridCol>
                 <a:gridCol w="914400">
                   <a:extLst>
                     <a:ext uri="{9D8B030D-6E8A-4147-A177-3AD203B41FA5}">
-                      <a16:colId xmlns:a16="http://schemas.microsoft.com/office/drawing/2014/main" val="1175273465"/>
+                      <a16:colId xmlns:a16="http://schemas.microsoft.com/office/drawing/2014/main" xmlns="" val="1175273465"/>
                     </a:ext>
                   </a:extLst>
                 </a:gridCol>
                 <a:gridCol w="914400">
                   <a:extLst>
                     <a:ext uri="{9D8B030D-6E8A-4147-A177-3AD203B41FA5}">
-                      <a16:colId xmlns:a16="http://schemas.microsoft.com/office/drawing/2014/main" val="3000395707"/>
+                      <a16:colId xmlns:a16="http://schemas.microsoft.com/office/drawing/2014/main" xmlns="" val="3000395707"/>
                     </a:ext>
                   </a:extLst>
                 </a:gridCol>
                 <a:gridCol w="914400">
                   <a:extLst>
                     <a:ext uri="{9D8B030D-6E8A-4147-A177-3AD203B41FA5}">
-                      <a16:colId xmlns:a16="http://schemas.microsoft.com/office/drawing/2014/main" val="3805122242"/>
+                      <a16:colId xmlns:a16="http://schemas.microsoft.com/office/drawing/2014/main" xmlns="" val="3805122242"/>
                     </a:ext>
                   </a:extLst>
                 </a:gridCol>
                 <a:gridCol w="914400">
                   <a:extLst>
                     <a:ext uri="{9D8B030D-6E8A-4147-A177-3AD203B41FA5}">
-                      <a16:colId xmlns:a16="http://schemas.microsoft.com/office/drawing/2014/main" val="753311355"/>
+                      <a16:colId xmlns:a16="http://schemas.microsoft.com/office/drawing/2014/main" xmlns="" val="753311355"/>
                     </a:ext>
                   </a:extLst>
                 </a:gridCol>
@@ -8378,7 +8383,7 @@
                 </a:tc>
                 <a:extLst>
                   <a:ext uri="{0D108BD9-81ED-4DB2-BD59-A6C34878D82A}">
-                    <a16:rowId xmlns:a16="http://schemas.microsoft.com/office/drawing/2014/main" val="2327083641"/>
+                    <a16:rowId xmlns:a16="http://schemas.microsoft.com/office/drawing/2014/main" xmlns="" val="2327083641"/>
                   </a:ext>
                 </a:extLst>
               </a:tr>
@@ -8544,7 +8549,7 @@
                 </a:tc>
                 <a:extLst>
                   <a:ext uri="{0D108BD9-81ED-4DB2-BD59-A6C34878D82A}">
-                    <a16:rowId xmlns:a16="http://schemas.microsoft.com/office/drawing/2014/main" val="1617848396"/>
+                    <a16:rowId xmlns:a16="http://schemas.microsoft.com/office/drawing/2014/main" xmlns="" val="1617848396"/>
                   </a:ext>
                 </a:extLst>
               </a:tr>
@@ -8710,7 +8715,7 @@
                 </a:tc>
                 <a:extLst>
                   <a:ext uri="{0D108BD9-81ED-4DB2-BD59-A6C34878D82A}">
-                    <a16:rowId xmlns:a16="http://schemas.microsoft.com/office/drawing/2014/main" val="148361300"/>
+                    <a16:rowId xmlns:a16="http://schemas.microsoft.com/office/drawing/2014/main" xmlns="" val="148361300"/>
                   </a:ext>
                 </a:extLst>
               </a:tr>
@@ -8875,7 +8880,7 @@
                 </a:tc>
                 <a:extLst>
                   <a:ext uri="{0D108BD9-81ED-4DB2-BD59-A6C34878D82A}">
-                    <a16:rowId xmlns:a16="http://schemas.microsoft.com/office/drawing/2014/main" val="2722314142"/>
+                    <a16:rowId xmlns:a16="http://schemas.microsoft.com/office/drawing/2014/main" xmlns="" val="2722314142"/>
                   </a:ext>
                 </a:extLst>
               </a:tr>
@@ -9070,7 +9075,7 @@
                 </a:tc>
                 <a:extLst>
                   <a:ext uri="{0D108BD9-81ED-4DB2-BD59-A6C34878D82A}">
-                    <a16:rowId xmlns:a16="http://schemas.microsoft.com/office/drawing/2014/main" val="1719912870"/>
+                    <a16:rowId xmlns:a16="http://schemas.microsoft.com/office/drawing/2014/main" xmlns="" val="1719912870"/>
                   </a:ext>
                 </a:extLst>
               </a:tr>
@@ -9241,7 +9246,7 @@
                 </a:tc>
                 <a:extLst>
                   <a:ext uri="{0D108BD9-81ED-4DB2-BD59-A6C34878D82A}">
-                    <a16:rowId xmlns:a16="http://schemas.microsoft.com/office/drawing/2014/main" val="2808822666"/>
+                    <a16:rowId xmlns:a16="http://schemas.microsoft.com/office/drawing/2014/main" xmlns="" val="2808822666"/>
                   </a:ext>
                 </a:extLst>
               </a:tr>
@@ -9425,7 +9430,7 @@
                 </a:tc>
                 <a:extLst>
                   <a:ext uri="{0D108BD9-81ED-4DB2-BD59-A6C34878D82A}">
-                    <a16:rowId xmlns:a16="http://schemas.microsoft.com/office/drawing/2014/main" val="71228204"/>
+                    <a16:rowId xmlns:a16="http://schemas.microsoft.com/office/drawing/2014/main" xmlns="" val="71228204"/>
                   </a:ext>
                 </a:extLst>
               </a:tr>
@@ -9612,7 +9617,7 @@
                 </a:tc>
                 <a:extLst>
                   <a:ext uri="{0D108BD9-81ED-4DB2-BD59-A6C34878D82A}">
-                    <a16:rowId xmlns:a16="http://schemas.microsoft.com/office/drawing/2014/main" val="1317040896"/>
+                    <a16:rowId xmlns:a16="http://schemas.microsoft.com/office/drawing/2014/main" xmlns="" val="1317040896"/>
                   </a:ext>
                 </a:extLst>
               </a:tr>
@@ -9812,7 +9817,7 @@
                 </a:tc>
                 <a:extLst>
                   <a:ext uri="{0D108BD9-81ED-4DB2-BD59-A6C34878D82A}">
-                    <a16:rowId xmlns:a16="http://schemas.microsoft.com/office/drawing/2014/main" val="66543431"/>
+                    <a16:rowId xmlns:a16="http://schemas.microsoft.com/office/drawing/2014/main" xmlns="" val="66543431"/>
                   </a:ext>
                 </a:extLst>
               </a:tr>
@@ -9997,7 +10002,7 @@
                 </a:tc>
                 <a:extLst>
                   <a:ext uri="{0D108BD9-81ED-4DB2-BD59-A6C34878D82A}">
-                    <a16:rowId xmlns:a16="http://schemas.microsoft.com/office/drawing/2014/main" val="1109889755"/>
+                    <a16:rowId xmlns:a16="http://schemas.microsoft.com/office/drawing/2014/main" xmlns="" val="1109889755"/>
                   </a:ext>
                 </a:extLst>
               </a:tr>
@@ -10010,7 +10015,7 @@
           <p:cNvPr id="12" name="TextBox 11">
             <a:extLst>
               <a:ext uri="{FF2B5EF4-FFF2-40B4-BE49-F238E27FC236}">
-                <a16:creationId xmlns:a16="http://schemas.microsoft.com/office/drawing/2014/main" id="{C12736F1-89D7-40D6-B1B8-00F91560DE68}"/>
+                <a16:creationId xmlns:a16="http://schemas.microsoft.com/office/drawing/2014/main" xmlns="" id="{C12736F1-89D7-40D6-B1B8-00F91560DE68}"/>
               </a:ext>
             </a:extLst>
           </p:cNvPr>
@@ -10110,7 +10115,7 @@
           <p:cNvPr id="13" name="타원 12">
             <a:extLst>
               <a:ext uri="{FF2B5EF4-FFF2-40B4-BE49-F238E27FC236}">
-                <a16:creationId xmlns:a16="http://schemas.microsoft.com/office/drawing/2014/main" id="{FC179FA7-7446-46FF-9537-2F782DD94D8C}"/>
+                <a16:creationId xmlns:a16="http://schemas.microsoft.com/office/drawing/2014/main" xmlns="" id="{FC179FA7-7446-46FF-9537-2F782DD94D8C}"/>
               </a:ext>
             </a:extLst>
           </p:cNvPr>
@@ -10159,7 +10164,7 @@
           <p:cNvPr id="14" name="타원 13">
             <a:extLst>
               <a:ext uri="{FF2B5EF4-FFF2-40B4-BE49-F238E27FC236}">
-                <a16:creationId xmlns:a16="http://schemas.microsoft.com/office/drawing/2014/main" id="{607CB982-BAF9-4EB3-80BA-9EC7A754372F}"/>
+                <a16:creationId xmlns:a16="http://schemas.microsoft.com/office/drawing/2014/main" xmlns="" id="{607CB982-BAF9-4EB3-80BA-9EC7A754372F}"/>
               </a:ext>
             </a:extLst>
           </p:cNvPr>
@@ -10208,7 +10213,7 @@
           <p:cNvPr id="15" name="타원 14">
             <a:extLst>
               <a:ext uri="{FF2B5EF4-FFF2-40B4-BE49-F238E27FC236}">
-                <a16:creationId xmlns:a16="http://schemas.microsoft.com/office/drawing/2014/main" id="{C14459EC-BDEB-4FDC-A494-7DC79A3866D3}"/>
+                <a16:creationId xmlns:a16="http://schemas.microsoft.com/office/drawing/2014/main" xmlns="" id="{C14459EC-BDEB-4FDC-A494-7DC79A3866D3}"/>
               </a:ext>
             </a:extLst>
           </p:cNvPr>
@@ -10254,7 +10259,7 @@
           <p:cNvPr id="16" name="타원 15">
             <a:extLst>
               <a:ext uri="{FF2B5EF4-FFF2-40B4-BE49-F238E27FC236}">
-                <a16:creationId xmlns:a16="http://schemas.microsoft.com/office/drawing/2014/main" id="{F80881C6-D363-4F30-9996-72302BFF7D1B}"/>
+                <a16:creationId xmlns:a16="http://schemas.microsoft.com/office/drawing/2014/main" xmlns="" id="{F80881C6-D363-4F30-9996-72302BFF7D1B}"/>
               </a:ext>
             </a:extLst>
           </p:cNvPr>
@@ -10306,7 +10311,7 @@
           <p:cNvPr id="17" name="타원 16">
             <a:extLst>
               <a:ext uri="{FF2B5EF4-FFF2-40B4-BE49-F238E27FC236}">
-                <a16:creationId xmlns:a16="http://schemas.microsoft.com/office/drawing/2014/main" id="{516CF910-FF99-4E48-A923-C02A09E2CCD5}"/>
+                <a16:creationId xmlns:a16="http://schemas.microsoft.com/office/drawing/2014/main" xmlns="" id="{516CF910-FF99-4E48-A923-C02A09E2CCD5}"/>
               </a:ext>
             </a:extLst>
           </p:cNvPr>
@@ -10388,7 +10393,7 @@
           <p:cNvPr id="2" name="제목 1">
             <a:extLst>
               <a:ext uri="{FF2B5EF4-FFF2-40B4-BE49-F238E27FC236}">
-                <a16:creationId xmlns:a16="http://schemas.microsoft.com/office/drawing/2014/main" id="{F1820C4D-A713-4F20-AB07-73AD6950D333}"/>
+                <a16:creationId xmlns:a16="http://schemas.microsoft.com/office/drawing/2014/main" xmlns="" id="{F1820C4D-A713-4F20-AB07-73AD6950D333}"/>
               </a:ext>
             </a:extLst>
           </p:cNvPr>
@@ -10416,7 +10421,7 @@
           <p:cNvPr id="3" name="내용 개체 틀 2">
             <a:extLst>
               <a:ext uri="{FF2B5EF4-FFF2-40B4-BE49-F238E27FC236}">
-                <a16:creationId xmlns:a16="http://schemas.microsoft.com/office/drawing/2014/main" id="{499709EF-8FF0-48CF-B776-BF3E7119A312}"/>
+                <a16:creationId xmlns:a16="http://schemas.microsoft.com/office/drawing/2014/main" xmlns="" id="{499709EF-8FF0-48CF-B776-BF3E7119A312}"/>
               </a:ext>
             </a:extLst>
           </p:cNvPr>
@@ -10705,7 +10710,7 @@
           <p:cNvPr id="2" name="제목 1">
             <a:extLst>
               <a:ext uri="{FF2B5EF4-FFF2-40B4-BE49-F238E27FC236}">
-                <a16:creationId xmlns:a16="http://schemas.microsoft.com/office/drawing/2014/main" id="{CA1EC8BF-6B01-43DD-9FDD-C1E68CB277E9}"/>
+                <a16:creationId xmlns:a16="http://schemas.microsoft.com/office/drawing/2014/main" xmlns="" id="{CA1EC8BF-6B01-43DD-9FDD-C1E68CB277E9}"/>
               </a:ext>
             </a:extLst>
           </p:cNvPr>
@@ -10733,7 +10738,7 @@
           <p:cNvPr id="3" name="내용 개체 틀 2">
             <a:extLst>
               <a:ext uri="{FF2B5EF4-FFF2-40B4-BE49-F238E27FC236}">
-                <a16:creationId xmlns:a16="http://schemas.microsoft.com/office/drawing/2014/main" id="{E7A26943-DF7E-4946-B44A-1A50C3682979}"/>
+                <a16:creationId xmlns:a16="http://schemas.microsoft.com/office/drawing/2014/main" xmlns="" id="{E7A26943-DF7E-4946-B44A-1A50C3682979}"/>
               </a:ext>
             </a:extLst>
           </p:cNvPr>
@@ -10820,7 +10825,7 @@
           <p:cNvPr id="18" name="그림 17">
             <a:extLst>
               <a:ext uri="{FF2B5EF4-FFF2-40B4-BE49-F238E27FC236}">
-                <a16:creationId xmlns:a16="http://schemas.microsoft.com/office/drawing/2014/main" id="{D7AE1FAA-DFC8-4492-B86E-B140AC70335E}"/>
+                <a16:creationId xmlns:a16="http://schemas.microsoft.com/office/drawing/2014/main" xmlns="" id="{D7AE1FAA-DFC8-4492-B86E-B140AC70335E}"/>
               </a:ext>
             </a:extLst>
           </p:cNvPr>
@@ -10850,7 +10855,7 @@
           <p:cNvPr id="2" name="제목 1">
             <a:extLst>
               <a:ext uri="{FF2B5EF4-FFF2-40B4-BE49-F238E27FC236}">
-                <a16:creationId xmlns:a16="http://schemas.microsoft.com/office/drawing/2014/main" id="{8AE1EF4F-F26F-4D50-A597-A476B7C1FA21}"/>
+                <a16:creationId xmlns:a16="http://schemas.microsoft.com/office/drawing/2014/main" xmlns="" id="{8AE1EF4F-F26F-4D50-A597-A476B7C1FA21}"/>
               </a:ext>
             </a:extLst>
           </p:cNvPr>
@@ -10891,7 +10896,7 @@
           <p:cNvPr id="3" name="내용 개체 틀 2">
             <a:extLst>
               <a:ext uri="{FF2B5EF4-FFF2-40B4-BE49-F238E27FC236}">
-                <a16:creationId xmlns:a16="http://schemas.microsoft.com/office/drawing/2014/main" id="{479A5221-0346-4781-A025-6FD61AD48124}"/>
+                <a16:creationId xmlns:a16="http://schemas.microsoft.com/office/drawing/2014/main" xmlns="" id="{479A5221-0346-4781-A025-6FD61AD48124}"/>
               </a:ext>
             </a:extLst>
           </p:cNvPr>
@@ -10988,7 +10993,7 @@
           <p:cNvPr id="14" name="그림 13">
             <a:extLst>
               <a:ext uri="{FF2B5EF4-FFF2-40B4-BE49-F238E27FC236}">
-                <a16:creationId xmlns:a16="http://schemas.microsoft.com/office/drawing/2014/main" id="{E1338B5F-E9E6-46BF-B927-541673191E92}"/>
+                <a16:creationId xmlns:a16="http://schemas.microsoft.com/office/drawing/2014/main" xmlns="" id="{E1338B5F-E9E6-46BF-B927-541673191E92}"/>
               </a:ext>
             </a:extLst>
           </p:cNvPr>
@@ -11039,7 +11044,7 @@
           <p:cNvPr id="15" name="그림 14">
             <a:extLst>
               <a:ext uri="{FF2B5EF4-FFF2-40B4-BE49-F238E27FC236}">
-                <a16:creationId xmlns:a16="http://schemas.microsoft.com/office/drawing/2014/main" id="{557CAF28-7E1B-49C4-BAB8-E15EC237FCE9}"/>
+                <a16:creationId xmlns:a16="http://schemas.microsoft.com/office/drawing/2014/main" xmlns="" id="{557CAF28-7E1B-49C4-BAB8-E15EC237FCE9}"/>
               </a:ext>
             </a:extLst>
           </p:cNvPr>
@@ -11090,7 +11095,7 @@
           <p:cNvPr id="16" name="그림 15">
             <a:extLst>
               <a:ext uri="{FF2B5EF4-FFF2-40B4-BE49-F238E27FC236}">
-                <a16:creationId xmlns:a16="http://schemas.microsoft.com/office/drawing/2014/main" id="{25589973-4E8D-4A3C-8477-B63850B2B6B6}"/>
+                <a16:creationId xmlns:a16="http://schemas.microsoft.com/office/drawing/2014/main" xmlns="" id="{25589973-4E8D-4A3C-8477-B63850B2B6B6}"/>
               </a:ext>
             </a:extLst>
           </p:cNvPr>
@@ -11141,7 +11146,7 @@
           <p:cNvPr id="17" name="그림 16">
             <a:extLst>
               <a:ext uri="{FF2B5EF4-FFF2-40B4-BE49-F238E27FC236}">
-                <a16:creationId xmlns:a16="http://schemas.microsoft.com/office/drawing/2014/main" id="{069C9F91-AAB8-4A58-8F23-D46BD0BE7B9D}"/>
+                <a16:creationId xmlns:a16="http://schemas.microsoft.com/office/drawing/2014/main" xmlns="" id="{069C9F91-AAB8-4A58-8F23-D46BD0BE7B9D}"/>
               </a:ext>
             </a:extLst>
           </p:cNvPr>
@@ -11222,7 +11227,7 @@
           <p:cNvPr id="2" name="제목 1">
             <a:extLst>
               <a:ext uri="{FF2B5EF4-FFF2-40B4-BE49-F238E27FC236}">
-                <a16:creationId xmlns:a16="http://schemas.microsoft.com/office/drawing/2014/main" id="{50BFF8E4-400B-48AF-9C6D-DD2D9AC9A092}"/>
+                <a16:creationId xmlns:a16="http://schemas.microsoft.com/office/drawing/2014/main" xmlns="" id="{50BFF8E4-400B-48AF-9C6D-DD2D9AC9A092}"/>
               </a:ext>
             </a:extLst>
           </p:cNvPr>
@@ -11263,7 +11268,7 @@
           <p:cNvPr id="5" name="내용 개체 틀 4" descr="대지, 사람, 건물, 오토바이이(가) 표시된 사진&#10;&#10;매우 높은 신뢰도로 생성된 설명">
             <a:extLst>
               <a:ext uri="{FF2B5EF4-FFF2-40B4-BE49-F238E27FC236}">
-                <a16:creationId xmlns:a16="http://schemas.microsoft.com/office/drawing/2014/main" id="{6778618A-4A41-4D52-85D4-AB846A95D6C5}"/>
+                <a16:creationId xmlns:a16="http://schemas.microsoft.com/office/drawing/2014/main" xmlns="" id="{6778618A-4A41-4D52-85D4-AB846A95D6C5}"/>
               </a:ext>
             </a:extLst>
           </p:cNvPr>
@@ -11298,7 +11303,7 @@
           <p:cNvPr id="6" name="직사각형 5">
             <a:extLst>
               <a:ext uri="{FF2B5EF4-FFF2-40B4-BE49-F238E27FC236}">
-                <a16:creationId xmlns:a16="http://schemas.microsoft.com/office/drawing/2014/main" id="{D9B9364B-CDB4-44D2-B78F-5B16EC376238}"/>
+                <a16:creationId xmlns:a16="http://schemas.microsoft.com/office/drawing/2014/main" xmlns="" id="{D9B9364B-CDB4-44D2-B78F-5B16EC376238}"/>
               </a:ext>
             </a:extLst>
           </p:cNvPr>
@@ -11352,7 +11357,7 @@
           <p:cNvPr id="14" name="그림 13">
             <a:extLst>
               <a:ext uri="{FF2B5EF4-FFF2-40B4-BE49-F238E27FC236}">
-                <a16:creationId xmlns:a16="http://schemas.microsoft.com/office/drawing/2014/main" id="{1DCB9F55-6D75-4526-BADB-BFA7D03D61CE}"/>
+                <a16:creationId xmlns:a16="http://schemas.microsoft.com/office/drawing/2014/main" xmlns="" id="{1DCB9F55-6D75-4526-BADB-BFA7D03D61CE}"/>
               </a:ext>
             </a:extLst>
           </p:cNvPr>
@@ -11382,7 +11387,7 @@
           <p:cNvPr id="15" name="직사각형 14">
             <a:extLst>
               <a:ext uri="{FF2B5EF4-FFF2-40B4-BE49-F238E27FC236}">
-                <a16:creationId xmlns:a16="http://schemas.microsoft.com/office/drawing/2014/main" id="{78CACC91-EBD2-4613-9250-2A6432198A55}"/>
+                <a16:creationId xmlns:a16="http://schemas.microsoft.com/office/drawing/2014/main" xmlns="" id="{78CACC91-EBD2-4613-9250-2A6432198A55}"/>
               </a:ext>
             </a:extLst>
           </p:cNvPr>
@@ -11430,7 +11435,7 @@
           <p:cNvPr id="11" name="그룹 10">
             <a:extLst>
               <a:ext uri="{FF2B5EF4-FFF2-40B4-BE49-F238E27FC236}">
-                <a16:creationId xmlns:a16="http://schemas.microsoft.com/office/drawing/2014/main" id="{0E3AF759-5028-44F5-82F0-EE5D95F9C8C1}"/>
+                <a16:creationId xmlns:a16="http://schemas.microsoft.com/office/drawing/2014/main" xmlns="" id="{0E3AF759-5028-44F5-82F0-EE5D95F9C8C1}"/>
               </a:ext>
             </a:extLst>
           </p:cNvPr>
@@ -11450,7 +11455,7 @@
             <p:cNvPr id="19" name="연결선: 꺾임 18">
               <a:extLst>
                 <a:ext uri="{FF2B5EF4-FFF2-40B4-BE49-F238E27FC236}">
-                  <a16:creationId xmlns:a16="http://schemas.microsoft.com/office/drawing/2014/main" id="{18A5322B-8FEA-446D-9178-98E5497B1B5C}"/>
+                  <a16:creationId xmlns:a16="http://schemas.microsoft.com/office/drawing/2014/main" xmlns="" id="{18A5322B-8FEA-446D-9178-98E5497B1B5C}"/>
                 </a:ext>
               </a:extLst>
             </p:cNvPr>
@@ -11494,7 +11499,7 @@
             <p:cNvPr id="21" name="직선 화살표 연결선 20">
               <a:extLst>
                 <a:ext uri="{FF2B5EF4-FFF2-40B4-BE49-F238E27FC236}">
-                  <a16:creationId xmlns:a16="http://schemas.microsoft.com/office/drawing/2014/main" id="{084B5AA9-2B63-45E3-9796-BBF09AC9F137}"/>
+                  <a16:creationId xmlns:a16="http://schemas.microsoft.com/office/drawing/2014/main" xmlns="" id="{084B5AA9-2B63-45E3-9796-BBF09AC9F137}"/>
                 </a:ext>
               </a:extLst>
             </p:cNvPr>
@@ -11540,7 +11545,7 @@
           <p:cNvPr id="22" name="TextBox 21">
             <a:extLst>
               <a:ext uri="{FF2B5EF4-FFF2-40B4-BE49-F238E27FC236}">
-                <a16:creationId xmlns:a16="http://schemas.microsoft.com/office/drawing/2014/main" id="{B94930DE-938A-4B09-86E8-BD72AACF1090}"/>
+                <a16:creationId xmlns:a16="http://schemas.microsoft.com/office/drawing/2014/main" xmlns="" id="{B94930DE-938A-4B09-86E8-BD72AACF1090}"/>
               </a:ext>
             </a:extLst>
           </p:cNvPr>
@@ -11679,7 +11684,7 @@
           <p:cNvPr id="23" name="TextBox 22">
             <a:extLst>
               <a:ext uri="{FF2B5EF4-FFF2-40B4-BE49-F238E27FC236}">
-                <a16:creationId xmlns:a16="http://schemas.microsoft.com/office/drawing/2014/main" id="{C8588B7B-167C-4DE9-9B36-B8BEFCD3E8F1}"/>
+                <a16:creationId xmlns:a16="http://schemas.microsoft.com/office/drawing/2014/main" xmlns="" id="{C8588B7B-167C-4DE9-9B36-B8BEFCD3E8F1}"/>
               </a:ext>
             </a:extLst>
           </p:cNvPr>
@@ -11772,7 +11777,7 @@
           <p:cNvPr id="2" name="제목 1">
             <a:extLst>
               <a:ext uri="{FF2B5EF4-FFF2-40B4-BE49-F238E27FC236}">
-                <a16:creationId xmlns:a16="http://schemas.microsoft.com/office/drawing/2014/main" id="{040B15A2-237F-45A9-94F2-BE400E240A54}"/>
+                <a16:creationId xmlns:a16="http://schemas.microsoft.com/office/drawing/2014/main" xmlns="" id="{040B15A2-237F-45A9-94F2-BE400E240A54}"/>
               </a:ext>
             </a:extLst>
           </p:cNvPr>
@@ -11813,7 +11818,7 @@
           <p:cNvPr id="5" name="내용 개체 틀 4" descr="장난감이(가) 표시된 사진&#10;&#10;자동 생성된 설명">
             <a:extLst>
               <a:ext uri="{FF2B5EF4-FFF2-40B4-BE49-F238E27FC236}">
-                <a16:creationId xmlns:a16="http://schemas.microsoft.com/office/drawing/2014/main" id="{2DCAC5E1-99FE-4BEB-A414-37AA6FA6BA2F}"/>
+                <a16:creationId xmlns:a16="http://schemas.microsoft.com/office/drawing/2014/main" xmlns="" id="{2DCAC5E1-99FE-4BEB-A414-37AA6FA6BA2F}"/>
               </a:ext>
             </a:extLst>
           </p:cNvPr>
@@ -11848,7 +11853,7 @@
           <p:cNvPr id="7" name="그림 6" descr="장난감, 실내이(가) 표시된 사진&#10;&#10;자동 생성된 설명">
             <a:extLst>
               <a:ext uri="{FF2B5EF4-FFF2-40B4-BE49-F238E27FC236}">
-                <a16:creationId xmlns:a16="http://schemas.microsoft.com/office/drawing/2014/main" id="{BF784EB7-2A55-4FBA-AD26-6E9FB2235AD3}"/>
+                <a16:creationId xmlns:a16="http://schemas.microsoft.com/office/drawing/2014/main" xmlns="" id="{BF784EB7-2A55-4FBA-AD26-6E9FB2235AD3}"/>
               </a:ext>
             </a:extLst>
           </p:cNvPr>
@@ -11884,7 +11889,7 @@
           <p:cNvPr id="9" name="그림 8">
             <a:extLst>
               <a:ext uri="{FF2B5EF4-FFF2-40B4-BE49-F238E27FC236}">
-                <a16:creationId xmlns:a16="http://schemas.microsoft.com/office/drawing/2014/main" id="{969DC521-CC26-481E-83C1-38DB2B6A5F23}"/>
+                <a16:creationId xmlns:a16="http://schemas.microsoft.com/office/drawing/2014/main" xmlns="" id="{969DC521-CC26-481E-83C1-38DB2B6A5F23}"/>
               </a:ext>
             </a:extLst>
           </p:cNvPr>
@@ -11920,7 +11925,7 @@
           <p:cNvPr id="10" name="TextBox 9">
             <a:extLst>
               <a:ext uri="{FF2B5EF4-FFF2-40B4-BE49-F238E27FC236}">
-                <a16:creationId xmlns:a16="http://schemas.microsoft.com/office/drawing/2014/main" id="{15C18429-28FC-49C3-A928-5557667C728B}"/>
+                <a16:creationId xmlns:a16="http://schemas.microsoft.com/office/drawing/2014/main" xmlns="" id="{15C18429-28FC-49C3-A928-5557667C728B}"/>
               </a:ext>
             </a:extLst>
           </p:cNvPr>
@@ -11959,7 +11964,7 @@
           <p:cNvPr id="11" name="TextBox 10">
             <a:extLst>
               <a:ext uri="{FF2B5EF4-FFF2-40B4-BE49-F238E27FC236}">
-                <a16:creationId xmlns:a16="http://schemas.microsoft.com/office/drawing/2014/main" id="{0BF90028-9D17-4C77-B93F-2A271525B611}"/>
+                <a16:creationId xmlns:a16="http://schemas.microsoft.com/office/drawing/2014/main" xmlns="" id="{0BF90028-9D17-4C77-B93F-2A271525B611}"/>
               </a:ext>
             </a:extLst>
           </p:cNvPr>
@@ -11998,7 +12003,7 @@
           <p:cNvPr id="12" name="TextBox 11">
             <a:extLst>
               <a:ext uri="{FF2B5EF4-FFF2-40B4-BE49-F238E27FC236}">
-                <a16:creationId xmlns:a16="http://schemas.microsoft.com/office/drawing/2014/main" id="{7531FF11-514B-4822-8F03-B3B7C19AF633}"/>
+                <a16:creationId xmlns:a16="http://schemas.microsoft.com/office/drawing/2014/main" xmlns="" id="{7531FF11-514B-4822-8F03-B3B7C19AF633}"/>
               </a:ext>
             </a:extLst>
           </p:cNvPr>
@@ -12067,7 +12072,7 @@
           <p:cNvPr id="2" name="제목 1">
             <a:extLst>
               <a:ext uri="{FF2B5EF4-FFF2-40B4-BE49-F238E27FC236}">
-                <a16:creationId xmlns:a16="http://schemas.microsoft.com/office/drawing/2014/main" id="{5FFD1A2D-1C6F-4CBB-95A8-EE3E1B300986}"/>
+                <a16:creationId xmlns:a16="http://schemas.microsoft.com/office/drawing/2014/main" xmlns="" id="{5FFD1A2D-1C6F-4CBB-95A8-EE3E1B300986}"/>
               </a:ext>
             </a:extLst>
           </p:cNvPr>
@@ -12092,11 +12097,23 @@
               <a:t>( </a:t>
             </a:r>
             <a:r>
+              <a:rPr lang="ko-KR" altLang="en-US" dirty="0" err="1"/>
+              <a:t>맵</a:t>
+            </a:r>
+            <a:r>
               <a:rPr lang="ko-KR" altLang="en-US" dirty="0"/>
-              <a:t>맵 컨셉 : SF </a:t>
-            </a:r>
-            <a:r>
-              <a:rPr lang="en-US" altLang="ko-KR" dirty="0"/>
+              <a:t> </a:t>
+            </a:r>
+            <a:r>
+              <a:rPr lang="ko-KR" altLang="en-US" dirty="0" err="1" smtClean="0"/>
+              <a:t>컨셉</a:t>
+            </a:r>
+            <a:r>
+              <a:rPr lang="ko-KR" altLang="en-US" dirty="0" smtClean="0"/>
+              <a:t> </a:t>
+            </a:r>
+            <a:r>
+              <a:rPr lang="en-US" altLang="ko-KR" dirty="0" smtClean="0"/>
               <a:t>)</a:t>
             </a:r>
             <a:endParaRPr lang="ko-KR" altLang="en-US" dirty="0"/>
@@ -12108,7 +12125,7 @@
           <p:cNvPr id="4" name="그림 4" descr="건물, 대지, 실외이(가) 표시된 사진&#10;&#10;높은 신뢰도로 생성된 설명">
             <a:extLst>
               <a:ext uri="{FF2B5EF4-FFF2-40B4-BE49-F238E27FC236}">
-                <a16:creationId xmlns:a16="http://schemas.microsoft.com/office/drawing/2014/main" id="{D7C294C1-67B6-4378-BC80-82E89E497E1B}"/>
+                <a16:creationId xmlns:a16="http://schemas.microsoft.com/office/drawing/2014/main" xmlns="" id="{D7C294C1-67B6-4378-BC80-82E89E497E1B}"/>
               </a:ext>
             </a:extLst>
           </p:cNvPr>
@@ -12170,7 +12187,7 @@
           <p:cNvPr id="2" name="제목 1">
             <a:extLst>
               <a:ext uri="{FF2B5EF4-FFF2-40B4-BE49-F238E27FC236}">
-                <a16:creationId xmlns:a16="http://schemas.microsoft.com/office/drawing/2014/main" id="{2871CB5D-9406-43DF-8786-DB7EE04C445F}"/>
+                <a16:creationId xmlns:a16="http://schemas.microsoft.com/office/drawing/2014/main" xmlns="" id="{2871CB5D-9406-43DF-8786-DB7EE04C445F}"/>
               </a:ext>
             </a:extLst>
           </p:cNvPr>
@@ -12211,7 +12228,7 @@
           <p:cNvPr id="56" name="타원 55">
             <a:extLst>
               <a:ext uri="{FF2B5EF4-FFF2-40B4-BE49-F238E27FC236}">
-                <a16:creationId xmlns:a16="http://schemas.microsoft.com/office/drawing/2014/main" id="{BBB544BC-2789-42E1-80F7-F3EABF9AA41E}"/>
+                <a16:creationId xmlns:a16="http://schemas.microsoft.com/office/drawing/2014/main" xmlns="" id="{BBB544BC-2789-42E1-80F7-F3EABF9AA41E}"/>
               </a:ext>
             </a:extLst>
           </p:cNvPr>
@@ -12262,7 +12279,7 @@
           <p:cNvPr id="57" name="타원 56">
             <a:extLst>
               <a:ext uri="{FF2B5EF4-FFF2-40B4-BE49-F238E27FC236}">
-                <a16:creationId xmlns:a16="http://schemas.microsoft.com/office/drawing/2014/main" id="{8370B951-64FF-44C9-B3AC-AD9652734586}"/>
+                <a16:creationId xmlns:a16="http://schemas.microsoft.com/office/drawing/2014/main" xmlns="" id="{8370B951-64FF-44C9-B3AC-AD9652734586}"/>
               </a:ext>
             </a:extLst>
           </p:cNvPr>
@@ -12311,7 +12328,7 @@
           <p:cNvPr id="58" name="타원 57">
             <a:extLst>
               <a:ext uri="{FF2B5EF4-FFF2-40B4-BE49-F238E27FC236}">
-                <a16:creationId xmlns:a16="http://schemas.microsoft.com/office/drawing/2014/main" id="{47ECB955-47FE-464D-8245-128AD1D98B8C}"/>
+                <a16:creationId xmlns:a16="http://schemas.microsoft.com/office/drawing/2014/main" xmlns="" id="{47ECB955-47FE-464D-8245-128AD1D98B8C}"/>
               </a:ext>
             </a:extLst>
           </p:cNvPr>
@@ -12360,7 +12377,7 @@
           <p:cNvPr id="68" name="그룹 67">
             <a:extLst>
               <a:ext uri="{FF2B5EF4-FFF2-40B4-BE49-F238E27FC236}">
-                <a16:creationId xmlns:a16="http://schemas.microsoft.com/office/drawing/2014/main" id="{F31A8280-5B46-4012-85C5-66C18ABD9331}"/>
+                <a16:creationId xmlns:a16="http://schemas.microsoft.com/office/drawing/2014/main" xmlns="" id="{F31A8280-5B46-4012-85C5-66C18ABD9331}"/>
               </a:ext>
             </a:extLst>
           </p:cNvPr>
@@ -12380,7 +12397,7 @@
             <p:cNvPr id="4" name="직사각형 3">
               <a:extLst>
                 <a:ext uri="{FF2B5EF4-FFF2-40B4-BE49-F238E27FC236}">
-                  <a16:creationId xmlns:a16="http://schemas.microsoft.com/office/drawing/2014/main" id="{A61AE7ED-A107-4AC4-A01E-529A0DFF4137}"/>
+                  <a16:creationId xmlns:a16="http://schemas.microsoft.com/office/drawing/2014/main" xmlns="" id="{A61AE7ED-A107-4AC4-A01E-529A0DFF4137}"/>
                 </a:ext>
               </a:extLst>
             </p:cNvPr>
@@ -12426,7 +12443,7 @@
             <p:cNvPr id="7" name="타원 6">
               <a:extLst>
                 <a:ext uri="{FF2B5EF4-FFF2-40B4-BE49-F238E27FC236}">
-                  <a16:creationId xmlns:a16="http://schemas.microsoft.com/office/drawing/2014/main" id="{ABEED250-F1FD-4925-B0D6-4A3EF7AA030D}"/>
+                  <a16:creationId xmlns:a16="http://schemas.microsoft.com/office/drawing/2014/main" xmlns="" id="{ABEED250-F1FD-4925-B0D6-4A3EF7AA030D}"/>
                 </a:ext>
               </a:extLst>
             </p:cNvPr>
@@ -12475,7 +12492,7 @@
             <p:cNvPr id="8" name="타원 7">
               <a:extLst>
                 <a:ext uri="{FF2B5EF4-FFF2-40B4-BE49-F238E27FC236}">
-                  <a16:creationId xmlns:a16="http://schemas.microsoft.com/office/drawing/2014/main" id="{694F199E-5567-49D5-983D-8B9ABFE4C575}"/>
+                  <a16:creationId xmlns:a16="http://schemas.microsoft.com/office/drawing/2014/main" xmlns="" id="{694F199E-5567-49D5-983D-8B9ABFE4C575}"/>
                 </a:ext>
               </a:extLst>
             </p:cNvPr>
@@ -12524,7 +12541,7 @@
             <p:cNvPr id="11" name="타원 10">
               <a:extLst>
                 <a:ext uri="{FF2B5EF4-FFF2-40B4-BE49-F238E27FC236}">
-                  <a16:creationId xmlns:a16="http://schemas.microsoft.com/office/drawing/2014/main" id="{A46FFD7D-69E2-4376-BBDA-6F4C68CC96B9}"/>
+                  <a16:creationId xmlns:a16="http://schemas.microsoft.com/office/drawing/2014/main" xmlns="" id="{A46FFD7D-69E2-4376-BBDA-6F4C68CC96B9}"/>
                 </a:ext>
               </a:extLst>
             </p:cNvPr>
@@ -12575,7 +12592,7 @@
             <p:cNvPr id="12" name="타원 11">
               <a:extLst>
                 <a:ext uri="{FF2B5EF4-FFF2-40B4-BE49-F238E27FC236}">
-                  <a16:creationId xmlns:a16="http://schemas.microsoft.com/office/drawing/2014/main" id="{460A8FAE-57BB-4F2E-A484-3768DB1315DA}"/>
+                  <a16:creationId xmlns:a16="http://schemas.microsoft.com/office/drawing/2014/main" xmlns="" id="{460A8FAE-57BB-4F2E-A484-3768DB1315DA}"/>
                 </a:ext>
               </a:extLst>
             </p:cNvPr>
@@ -12626,7 +12643,7 @@
             <p:cNvPr id="13" name="타원 12">
               <a:extLst>
                 <a:ext uri="{FF2B5EF4-FFF2-40B4-BE49-F238E27FC236}">
-                  <a16:creationId xmlns:a16="http://schemas.microsoft.com/office/drawing/2014/main" id="{B8F742C6-C5F8-496C-BB37-666BFC63153E}"/>
+                  <a16:creationId xmlns:a16="http://schemas.microsoft.com/office/drawing/2014/main" xmlns="" id="{B8F742C6-C5F8-496C-BB37-666BFC63153E}"/>
                 </a:ext>
               </a:extLst>
             </p:cNvPr>
@@ -12677,7 +12694,7 @@
             <p:cNvPr id="14" name="타원 13">
               <a:extLst>
                 <a:ext uri="{FF2B5EF4-FFF2-40B4-BE49-F238E27FC236}">
-                  <a16:creationId xmlns:a16="http://schemas.microsoft.com/office/drawing/2014/main" id="{83AAD5CF-AA6F-4AD2-9362-3414565A3F76}"/>
+                  <a16:creationId xmlns:a16="http://schemas.microsoft.com/office/drawing/2014/main" xmlns="" id="{83AAD5CF-AA6F-4AD2-9362-3414565A3F76}"/>
                 </a:ext>
               </a:extLst>
             </p:cNvPr>
@@ -12728,7 +12745,7 @@
             <p:cNvPr id="15" name="타원 14">
               <a:extLst>
                 <a:ext uri="{FF2B5EF4-FFF2-40B4-BE49-F238E27FC236}">
-                  <a16:creationId xmlns:a16="http://schemas.microsoft.com/office/drawing/2014/main" id="{D7F0D5DE-9EFF-466F-AB7E-559F4DCACD78}"/>
+                  <a16:creationId xmlns:a16="http://schemas.microsoft.com/office/drawing/2014/main" xmlns="" id="{D7F0D5DE-9EFF-466F-AB7E-559F4DCACD78}"/>
                 </a:ext>
               </a:extLst>
             </p:cNvPr>
@@ -12779,7 +12796,7 @@
             <p:cNvPr id="16" name="타원 15">
               <a:extLst>
                 <a:ext uri="{FF2B5EF4-FFF2-40B4-BE49-F238E27FC236}">
-                  <a16:creationId xmlns:a16="http://schemas.microsoft.com/office/drawing/2014/main" id="{173896CE-084A-4843-8115-AD95F8B8952F}"/>
+                  <a16:creationId xmlns:a16="http://schemas.microsoft.com/office/drawing/2014/main" xmlns="" id="{173896CE-084A-4843-8115-AD95F8B8952F}"/>
                 </a:ext>
               </a:extLst>
             </p:cNvPr>
@@ -12830,7 +12847,7 @@
             <p:cNvPr id="17" name="타원 16">
               <a:extLst>
                 <a:ext uri="{FF2B5EF4-FFF2-40B4-BE49-F238E27FC236}">
-                  <a16:creationId xmlns:a16="http://schemas.microsoft.com/office/drawing/2014/main" id="{7DC36400-2048-4672-B2C8-4ECC5C9FDF01}"/>
+                  <a16:creationId xmlns:a16="http://schemas.microsoft.com/office/drawing/2014/main" xmlns="" id="{7DC36400-2048-4672-B2C8-4ECC5C9FDF01}"/>
                 </a:ext>
               </a:extLst>
             </p:cNvPr>
@@ -12881,7 +12898,7 @@
             <p:cNvPr id="18" name="타원 17">
               <a:extLst>
                 <a:ext uri="{FF2B5EF4-FFF2-40B4-BE49-F238E27FC236}">
-                  <a16:creationId xmlns:a16="http://schemas.microsoft.com/office/drawing/2014/main" id="{420BB4CD-A38D-45EC-9B55-429C04ED3F0C}"/>
+                  <a16:creationId xmlns:a16="http://schemas.microsoft.com/office/drawing/2014/main" xmlns="" id="{420BB4CD-A38D-45EC-9B55-429C04ED3F0C}"/>
                 </a:ext>
               </a:extLst>
             </p:cNvPr>
@@ -12932,7 +12949,7 @@
             <p:cNvPr id="19" name="직사각형 18">
               <a:extLst>
                 <a:ext uri="{FF2B5EF4-FFF2-40B4-BE49-F238E27FC236}">
-                  <a16:creationId xmlns:a16="http://schemas.microsoft.com/office/drawing/2014/main" id="{178A2FF0-6486-483E-8070-36D9453A5F96}"/>
+                  <a16:creationId xmlns:a16="http://schemas.microsoft.com/office/drawing/2014/main" xmlns="" id="{178A2FF0-6486-483E-8070-36D9453A5F96}"/>
                 </a:ext>
               </a:extLst>
             </p:cNvPr>
@@ -12981,7 +12998,7 @@
             <p:cNvPr id="40" name="그룹 39">
               <a:extLst>
                 <a:ext uri="{FF2B5EF4-FFF2-40B4-BE49-F238E27FC236}">
-                  <a16:creationId xmlns:a16="http://schemas.microsoft.com/office/drawing/2014/main" id="{6B8F8A0F-743D-4BAF-B7AA-3630EF272E25}"/>
+                  <a16:creationId xmlns:a16="http://schemas.microsoft.com/office/drawing/2014/main" xmlns="" id="{6B8F8A0F-743D-4BAF-B7AA-3630EF272E25}"/>
                 </a:ext>
               </a:extLst>
             </p:cNvPr>
@@ -13001,7 +13018,7 @@
               <p:cNvPr id="21" name="직사각형 20">
                 <a:extLst>
                   <a:ext uri="{FF2B5EF4-FFF2-40B4-BE49-F238E27FC236}">
-                    <a16:creationId xmlns:a16="http://schemas.microsoft.com/office/drawing/2014/main" id="{00B4B275-DD53-4E33-B3A4-71CF79A350A3}"/>
+                    <a16:creationId xmlns:a16="http://schemas.microsoft.com/office/drawing/2014/main" xmlns="" id="{00B4B275-DD53-4E33-B3A4-71CF79A350A3}"/>
                   </a:ext>
                 </a:extLst>
               </p:cNvPr>
@@ -13050,7 +13067,7 @@
               <p:cNvPr id="27" name="직사각형 26">
                 <a:extLst>
                   <a:ext uri="{FF2B5EF4-FFF2-40B4-BE49-F238E27FC236}">
-                    <a16:creationId xmlns:a16="http://schemas.microsoft.com/office/drawing/2014/main" id="{579DF427-3EE0-43EF-94BA-81D90E13465A}"/>
+                    <a16:creationId xmlns:a16="http://schemas.microsoft.com/office/drawing/2014/main" xmlns="" id="{579DF427-3EE0-43EF-94BA-81D90E13465A}"/>
                   </a:ext>
                 </a:extLst>
               </p:cNvPr>
@@ -13099,7 +13116,7 @@
               <p:cNvPr id="28" name="직사각형 27">
                 <a:extLst>
                   <a:ext uri="{FF2B5EF4-FFF2-40B4-BE49-F238E27FC236}">
-                    <a16:creationId xmlns:a16="http://schemas.microsoft.com/office/drawing/2014/main" id="{EE05C685-3EAC-4A98-AF40-3B7A6046C92A}"/>
+                    <a16:creationId xmlns:a16="http://schemas.microsoft.com/office/drawing/2014/main" xmlns="" id="{EE05C685-3EAC-4A98-AF40-3B7A6046C92A}"/>
                   </a:ext>
                 </a:extLst>
               </p:cNvPr>
@@ -13148,7 +13165,7 @@
               <p:cNvPr id="30" name="그룹 29">
                 <a:extLst>
                   <a:ext uri="{FF2B5EF4-FFF2-40B4-BE49-F238E27FC236}">
-                    <a16:creationId xmlns:a16="http://schemas.microsoft.com/office/drawing/2014/main" id="{F54D4B07-50D9-4536-9842-5A2995826B0C}"/>
+                    <a16:creationId xmlns:a16="http://schemas.microsoft.com/office/drawing/2014/main" xmlns="" id="{F54D4B07-50D9-4536-9842-5A2995826B0C}"/>
                   </a:ext>
                 </a:extLst>
               </p:cNvPr>
@@ -13168,7 +13185,7 @@
                 <p:cNvPr id="22" name="직사각형 21">
                   <a:extLst>
                     <a:ext uri="{FF2B5EF4-FFF2-40B4-BE49-F238E27FC236}">
-                      <a16:creationId xmlns:a16="http://schemas.microsoft.com/office/drawing/2014/main" id="{84D374A8-163D-40A5-BFAC-211DF64BBCD5}"/>
+                      <a16:creationId xmlns:a16="http://schemas.microsoft.com/office/drawing/2014/main" xmlns="" id="{84D374A8-163D-40A5-BFAC-211DF64BBCD5}"/>
                     </a:ext>
                   </a:extLst>
                 </p:cNvPr>
@@ -13217,7 +13234,7 @@
                 <p:cNvPr id="29" name="직사각형 28">
                   <a:extLst>
                     <a:ext uri="{FF2B5EF4-FFF2-40B4-BE49-F238E27FC236}">
-                      <a16:creationId xmlns:a16="http://schemas.microsoft.com/office/drawing/2014/main" id="{58491D35-CFB9-40EC-A585-61F7C2124A15}"/>
+                      <a16:creationId xmlns:a16="http://schemas.microsoft.com/office/drawing/2014/main" xmlns="" id="{58491D35-CFB9-40EC-A585-61F7C2124A15}"/>
                     </a:ext>
                   </a:extLst>
                 </p:cNvPr>
@@ -13267,7 +13284,7 @@
               <p:cNvPr id="31" name="직사각형 30">
                 <a:extLst>
                   <a:ext uri="{FF2B5EF4-FFF2-40B4-BE49-F238E27FC236}">
-                    <a16:creationId xmlns:a16="http://schemas.microsoft.com/office/drawing/2014/main" id="{4C830EA5-7C44-45A2-BE42-629DAB415DD5}"/>
+                    <a16:creationId xmlns:a16="http://schemas.microsoft.com/office/drawing/2014/main" xmlns="" id="{4C830EA5-7C44-45A2-BE42-629DAB415DD5}"/>
                   </a:ext>
                 </a:extLst>
               </p:cNvPr>
@@ -13316,7 +13333,7 @@
               <p:cNvPr id="32" name="직사각형 31">
                 <a:extLst>
                   <a:ext uri="{FF2B5EF4-FFF2-40B4-BE49-F238E27FC236}">
-                    <a16:creationId xmlns:a16="http://schemas.microsoft.com/office/drawing/2014/main" id="{A4E94FB4-DAED-4852-A123-E7A84ED97508}"/>
+                    <a16:creationId xmlns:a16="http://schemas.microsoft.com/office/drawing/2014/main" xmlns="" id="{A4E94FB4-DAED-4852-A123-E7A84ED97508}"/>
                   </a:ext>
                 </a:extLst>
               </p:cNvPr>
@@ -13365,7 +13382,7 @@
               <p:cNvPr id="33" name="직사각형 32">
                 <a:extLst>
                   <a:ext uri="{FF2B5EF4-FFF2-40B4-BE49-F238E27FC236}">
-                    <a16:creationId xmlns:a16="http://schemas.microsoft.com/office/drawing/2014/main" id="{FF6F8C3D-896A-4DF2-9EDF-3EB3B10BE418}"/>
+                    <a16:creationId xmlns:a16="http://schemas.microsoft.com/office/drawing/2014/main" xmlns="" id="{FF6F8C3D-896A-4DF2-9EDF-3EB3B10BE418}"/>
                   </a:ext>
                 </a:extLst>
               </p:cNvPr>
@@ -13414,7 +13431,7 @@
               <p:cNvPr id="34" name="직사각형 33">
                 <a:extLst>
                   <a:ext uri="{FF2B5EF4-FFF2-40B4-BE49-F238E27FC236}">
-                    <a16:creationId xmlns:a16="http://schemas.microsoft.com/office/drawing/2014/main" id="{102F2C0D-0070-4553-AFE5-EA2DF9D9BFEC}"/>
+                    <a16:creationId xmlns:a16="http://schemas.microsoft.com/office/drawing/2014/main" xmlns="" id="{102F2C0D-0070-4553-AFE5-EA2DF9D9BFEC}"/>
                   </a:ext>
                 </a:extLst>
               </p:cNvPr>
@@ -13463,7 +13480,7 @@
               <p:cNvPr id="35" name="직사각형 34">
                 <a:extLst>
                   <a:ext uri="{FF2B5EF4-FFF2-40B4-BE49-F238E27FC236}">
-                    <a16:creationId xmlns:a16="http://schemas.microsoft.com/office/drawing/2014/main" id="{9DDDFD9B-6ED1-4AEE-9DBC-6FF0FC670023}"/>
+                    <a16:creationId xmlns:a16="http://schemas.microsoft.com/office/drawing/2014/main" xmlns="" id="{9DDDFD9B-6ED1-4AEE-9DBC-6FF0FC670023}"/>
                   </a:ext>
                 </a:extLst>
               </p:cNvPr>
@@ -13512,7 +13529,7 @@
               <p:cNvPr id="37" name="직사각형 36">
                 <a:extLst>
                   <a:ext uri="{FF2B5EF4-FFF2-40B4-BE49-F238E27FC236}">
-                    <a16:creationId xmlns:a16="http://schemas.microsoft.com/office/drawing/2014/main" id="{C6DAB680-AAA2-45E4-85B3-CCA57169BEF5}"/>
+                    <a16:creationId xmlns:a16="http://schemas.microsoft.com/office/drawing/2014/main" xmlns="" id="{C6DAB680-AAA2-45E4-85B3-CCA57169BEF5}"/>
                   </a:ext>
                 </a:extLst>
               </p:cNvPr>
@@ -13561,7 +13578,7 @@
               <p:cNvPr id="38" name="직사각형 37">
                 <a:extLst>
                   <a:ext uri="{FF2B5EF4-FFF2-40B4-BE49-F238E27FC236}">
-                    <a16:creationId xmlns:a16="http://schemas.microsoft.com/office/drawing/2014/main" id="{7B58C5EA-61F7-469C-95F1-4230B4AC0DF1}"/>
+                    <a16:creationId xmlns:a16="http://schemas.microsoft.com/office/drawing/2014/main" xmlns="" id="{7B58C5EA-61F7-469C-95F1-4230B4AC0DF1}"/>
                   </a:ext>
                 </a:extLst>
               </p:cNvPr>
@@ -13610,7 +13627,7 @@
               <p:cNvPr id="39" name="직사각형 38">
                 <a:extLst>
                   <a:ext uri="{FF2B5EF4-FFF2-40B4-BE49-F238E27FC236}">
-                    <a16:creationId xmlns:a16="http://schemas.microsoft.com/office/drawing/2014/main" id="{0F772A2D-BDEB-42D4-85F1-A58E2D6945EC}"/>
+                    <a16:creationId xmlns:a16="http://schemas.microsoft.com/office/drawing/2014/main" xmlns="" id="{0F772A2D-BDEB-42D4-85F1-A58E2D6945EC}"/>
                   </a:ext>
                 </a:extLst>
               </p:cNvPr>
@@ -13660,7 +13677,7 @@
             <p:cNvPr id="41" name="그룹 40">
               <a:extLst>
                 <a:ext uri="{FF2B5EF4-FFF2-40B4-BE49-F238E27FC236}">
-                  <a16:creationId xmlns:a16="http://schemas.microsoft.com/office/drawing/2014/main" id="{40D5D1F0-B08D-4304-A1D4-3553563408B4}"/>
+                  <a16:creationId xmlns:a16="http://schemas.microsoft.com/office/drawing/2014/main" xmlns="" id="{40D5D1F0-B08D-4304-A1D4-3553563408B4}"/>
                 </a:ext>
               </a:extLst>
             </p:cNvPr>
@@ -13683,7 +13700,7 @@
               <p:cNvPr id="42" name="직사각형 41">
                 <a:extLst>
                   <a:ext uri="{FF2B5EF4-FFF2-40B4-BE49-F238E27FC236}">
-                    <a16:creationId xmlns:a16="http://schemas.microsoft.com/office/drawing/2014/main" id="{9C22E831-7E3D-4266-A2A8-34FE8A50ACAE}"/>
+                    <a16:creationId xmlns:a16="http://schemas.microsoft.com/office/drawing/2014/main" xmlns="" id="{9C22E831-7E3D-4266-A2A8-34FE8A50ACAE}"/>
                   </a:ext>
                 </a:extLst>
               </p:cNvPr>
@@ -13730,7 +13747,7 @@
               <p:cNvPr id="43" name="직사각형 42">
                 <a:extLst>
                   <a:ext uri="{FF2B5EF4-FFF2-40B4-BE49-F238E27FC236}">
-                    <a16:creationId xmlns:a16="http://schemas.microsoft.com/office/drawing/2014/main" id="{051956AC-87B8-4B61-8B3B-82C590A0FFD4}"/>
+                    <a16:creationId xmlns:a16="http://schemas.microsoft.com/office/drawing/2014/main" xmlns="" id="{051956AC-87B8-4B61-8B3B-82C590A0FFD4}"/>
                   </a:ext>
                 </a:extLst>
               </p:cNvPr>
@@ -13777,7 +13794,7 @@
               <p:cNvPr id="44" name="직사각형 43">
                 <a:extLst>
                   <a:ext uri="{FF2B5EF4-FFF2-40B4-BE49-F238E27FC236}">
-                    <a16:creationId xmlns:a16="http://schemas.microsoft.com/office/drawing/2014/main" id="{B62D66E0-8BA3-4BC8-9F66-437115FC02D6}"/>
+                    <a16:creationId xmlns:a16="http://schemas.microsoft.com/office/drawing/2014/main" xmlns="" id="{B62D66E0-8BA3-4BC8-9F66-437115FC02D6}"/>
                   </a:ext>
                 </a:extLst>
               </p:cNvPr>
@@ -13824,7 +13841,7 @@
               <p:cNvPr id="45" name="그룹 44">
                 <a:extLst>
                   <a:ext uri="{FF2B5EF4-FFF2-40B4-BE49-F238E27FC236}">
-                    <a16:creationId xmlns:a16="http://schemas.microsoft.com/office/drawing/2014/main" id="{2B8ED9B8-BE79-4D1F-A272-664353DEB32E}"/>
+                    <a16:creationId xmlns:a16="http://schemas.microsoft.com/office/drawing/2014/main" xmlns="" id="{2B8ED9B8-BE79-4D1F-A272-664353DEB32E}"/>
                   </a:ext>
                 </a:extLst>
               </p:cNvPr>
@@ -13845,7 +13862,7 @@
                 <p:cNvPr id="54" name="직사각형 53">
                   <a:extLst>
                     <a:ext uri="{FF2B5EF4-FFF2-40B4-BE49-F238E27FC236}">
-                      <a16:creationId xmlns:a16="http://schemas.microsoft.com/office/drawing/2014/main" id="{03898F3F-3E45-466B-87B5-AB5CDC46B960}"/>
+                      <a16:creationId xmlns:a16="http://schemas.microsoft.com/office/drawing/2014/main" xmlns="" id="{03898F3F-3E45-466B-87B5-AB5CDC46B960}"/>
                     </a:ext>
                   </a:extLst>
                 </p:cNvPr>
@@ -13892,7 +13909,7 @@
                 <p:cNvPr id="55" name="직사각형 54">
                   <a:extLst>
                     <a:ext uri="{FF2B5EF4-FFF2-40B4-BE49-F238E27FC236}">
-                      <a16:creationId xmlns:a16="http://schemas.microsoft.com/office/drawing/2014/main" id="{DA2034EA-DA27-4D04-A2A5-40D2E8CFEF44}"/>
+                      <a16:creationId xmlns:a16="http://schemas.microsoft.com/office/drawing/2014/main" xmlns="" id="{DA2034EA-DA27-4D04-A2A5-40D2E8CFEF44}"/>
                     </a:ext>
                   </a:extLst>
                 </p:cNvPr>
@@ -13940,7 +13957,7 @@
               <p:cNvPr id="46" name="직사각형 45">
                 <a:extLst>
                   <a:ext uri="{FF2B5EF4-FFF2-40B4-BE49-F238E27FC236}">
-                    <a16:creationId xmlns:a16="http://schemas.microsoft.com/office/drawing/2014/main" id="{F1CCA977-53F1-4489-9F5A-FDCE87DB5361}"/>
+                    <a16:creationId xmlns:a16="http://schemas.microsoft.com/office/drawing/2014/main" xmlns="" id="{F1CCA977-53F1-4489-9F5A-FDCE87DB5361}"/>
                   </a:ext>
                 </a:extLst>
               </p:cNvPr>
@@ -13987,7 +14004,7 @@
               <p:cNvPr id="47" name="직사각형 46">
                 <a:extLst>
                   <a:ext uri="{FF2B5EF4-FFF2-40B4-BE49-F238E27FC236}">
-                    <a16:creationId xmlns:a16="http://schemas.microsoft.com/office/drawing/2014/main" id="{EBD3003D-D826-4538-83D5-86D44F29CFC8}"/>
+                    <a16:creationId xmlns:a16="http://schemas.microsoft.com/office/drawing/2014/main" xmlns="" id="{EBD3003D-D826-4538-83D5-86D44F29CFC8}"/>
                   </a:ext>
                 </a:extLst>
               </p:cNvPr>
@@ -14034,7 +14051,7 @@
               <p:cNvPr id="48" name="직사각형 47">
                 <a:extLst>
                   <a:ext uri="{FF2B5EF4-FFF2-40B4-BE49-F238E27FC236}">
-                    <a16:creationId xmlns:a16="http://schemas.microsoft.com/office/drawing/2014/main" id="{73CCE6FA-0DE1-44E0-880F-54665F8C5F71}"/>
+                    <a16:creationId xmlns:a16="http://schemas.microsoft.com/office/drawing/2014/main" xmlns="" id="{73CCE6FA-0DE1-44E0-880F-54665F8C5F71}"/>
                   </a:ext>
                 </a:extLst>
               </p:cNvPr>
@@ -14081,7 +14098,7 @@
               <p:cNvPr id="49" name="직사각형 48">
                 <a:extLst>
                   <a:ext uri="{FF2B5EF4-FFF2-40B4-BE49-F238E27FC236}">
-                    <a16:creationId xmlns:a16="http://schemas.microsoft.com/office/drawing/2014/main" id="{B278F7A2-7670-4F8F-B0FC-BB4C0C6D82FF}"/>
+                    <a16:creationId xmlns:a16="http://schemas.microsoft.com/office/drawing/2014/main" xmlns="" id="{B278F7A2-7670-4F8F-B0FC-BB4C0C6D82FF}"/>
                   </a:ext>
                 </a:extLst>
               </p:cNvPr>
@@ -14128,7 +14145,7 @@
               <p:cNvPr id="50" name="직사각형 49">
                 <a:extLst>
                   <a:ext uri="{FF2B5EF4-FFF2-40B4-BE49-F238E27FC236}">
-                    <a16:creationId xmlns:a16="http://schemas.microsoft.com/office/drawing/2014/main" id="{B1ED7AD7-17CA-4D8C-859E-D52B37D9888A}"/>
+                    <a16:creationId xmlns:a16="http://schemas.microsoft.com/office/drawing/2014/main" xmlns="" id="{B1ED7AD7-17CA-4D8C-859E-D52B37D9888A}"/>
                   </a:ext>
                 </a:extLst>
               </p:cNvPr>
@@ -14175,7 +14192,7 @@
               <p:cNvPr id="51" name="직사각형 50">
                 <a:extLst>
                   <a:ext uri="{FF2B5EF4-FFF2-40B4-BE49-F238E27FC236}">
-                    <a16:creationId xmlns:a16="http://schemas.microsoft.com/office/drawing/2014/main" id="{98449423-491D-431B-82CF-8DE230CB16BA}"/>
+                    <a16:creationId xmlns:a16="http://schemas.microsoft.com/office/drawing/2014/main" xmlns="" id="{98449423-491D-431B-82CF-8DE230CB16BA}"/>
                   </a:ext>
                 </a:extLst>
               </p:cNvPr>
@@ -14222,7 +14239,7 @@
               <p:cNvPr id="52" name="직사각형 51">
                 <a:extLst>
                   <a:ext uri="{FF2B5EF4-FFF2-40B4-BE49-F238E27FC236}">
-                    <a16:creationId xmlns:a16="http://schemas.microsoft.com/office/drawing/2014/main" id="{D04F424C-F7D6-47B0-82AD-9221EA1F7D2D}"/>
+                    <a16:creationId xmlns:a16="http://schemas.microsoft.com/office/drawing/2014/main" xmlns="" id="{D04F424C-F7D6-47B0-82AD-9221EA1F7D2D}"/>
                   </a:ext>
                 </a:extLst>
               </p:cNvPr>
@@ -14269,7 +14286,7 @@
               <p:cNvPr id="53" name="직사각형 52">
                 <a:extLst>
                   <a:ext uri="{FF2B5EF4-FFF2-40B4-BE49-F238E27FC236}">
-                    <a16:creationId xmlns:a16="http://schemas.microsoft.com/office/drawing/2014/main" id="{4C1C3683-71EC-4FD6-BCAE-BB23B2AE058F}"/>
+                    <a16:creationId xmlns:a16="http://schemas.microsoft.com/office/drawing/2014/main" xmlns="" id="{4C1C3683-71EC-4FD6-BCAE-BB23B2AE058F}"/>
                   </a:ext>
                 </a:extLst>
               </p:cNvPr>
@@ -14317,7 +14334,7 @@
             <p:cNvPr id="59" name="직사각형 58">
               <a:extLst>
                 <a:ext uri="{FF2B5EF4-FFF2-40B4-BE49-F238E27FC236}">
-                  <a16:creationId xmlns:a16="http://schemas.microsoft.com/office/drawing/2014/main" id="{88B0DD29-0056-42A6-817F-E5F0F747DE5D}"/>
+                  <a16:creationId xmlns:a16="http://schemas.microsoft.com/office/drawing/2014/main" xmlns="" id="{88B0DD29-0056-42A6-817F-E5F0F747DE5D}"/>
                 </a:ext>
               </a:extLst>
             </p:cNvPr>
@@ -14366,7 +14383,7 @@
             <p:cNvPr id="61" name="직사각형 60">
               <a:extLst>
                 <a:ext uri="{FF2B5EF4-FFF2-40B4-BE49-F238E27FC236}">
-                  <a16:creationId xmlns:a16="http://schemas.microsoft.com/office/drawing/2014/main" id="{FEE031CF-3F59-4115-9648-16ACB55D8C7B}"/>
+                  <a16:creationId xmlns:a16="http://schemas.microsoft.com/office/drawing/2014/main" xmlns="" id="{FEE031CF-3F59-4115-9648-16ACB55D8C7B}"/>
                 </a:ext>
               </a:extLst>
             </p:cNvPr>
@@ -14415,7 +14432,7 @@
             <p:cNvPr id="62" name="직사각형 61">
               <a:extLst>
                 <a:ext uri="{FF2B5EF4-FFF2-40B4-BE49-F238E27FC236}">
-                  <a16:creationId xmlns:a16="http://schemas.microsoft.com/office/drawing/2014/main" id="{EF288813-926D-4026-86C5-8C087EF73A18}"/>
+                  <a16:creationId xmlns:a16="http://schemas.microsoft.com/office/drawing/2014/main" xmlns="" id="{EF288813-926D-4026-86C5-8C087EF73A18}"/>
                 </a:ext>
               </a:extLst>
             </p:cNvPr>
@@ -14464,7 +14481,7 @@
             <p:cNvPr id="63" name="직사각형 62">
               <a:extLst>
                 <a:ext uri="{FF2B5EF4-FFF2-40B4-BE49-F238E27FC236}">
-                  <a16:creationId xmlns:a16="http://schemas.microsoft.com/office/drawing/2014/main" id="{42C90E23-2A7B-42C3-89BD-CDE85FCC95FF}"/>
+                  <a16:creationId xmlns:a16="http://schemas.microsoft.com/office/drawing/2014/main" xmlns="" id="{42C90E23-2A7B-42C3-89BD-CDE85FCC95FF}"/>
                 </a:ext>
               </a:extLst>
             </p:cNvPr>
@@ -14514,7 +14531,7 @@
           <p:cNvPr id="64" name="직사각형 63">
             <a:extLst>
               <a:ext uri="{FF2B5EF4-FFF2-40B4-BE49-F238E27FC236}">
-                <a16:creationId xmlns:a16="http://schemas.microsoft.com/office/drawing/2014/main" id="{7D2DFF43-F770-4791-AD81-2FDDD56B914B}"/>
+                <a16:creationId xmlns:a16="http://schemas.microsoft.com/office/drawing/2014/main" xmlns="" id="{7D2DFF43-F770-4791-AD81-2FDDD56B914B}"/>
               </a:ext>
             </a:extLst>
           </p:cNvPr>
@@ -14563,7 +14580,7 @@
           <p:cNvPr id="65" name="직사각형 64">
             <a:extLst>
               <a:ext uri="{FF2B5EF4-FFF2-40B4-BE49-F238E27FC236}">
-                <a16:creationId xmlns:a16="http://schemas.microsoft.com/office/drawing/2014/main" id="{00CEBCCD-BD5E-4378-90EA-8E42B654CB30}"/>
+                <a16:creationId xmlns:a16="http://schemas.microsoft.com/office/drawing/2014/main" xmlns="" id="{00CEBCCD-BD5E-4378-90EA-8E42B654CB30}"/>
               </a:ext>
             </a:extLst>
           </p:cNvPr>
@@ -14612,7 +14629,7 @@
           <p:cNvPr id="67" name="TextBox 66">
             <a:extLst>
               <a:ext uri="{FF2B5EF4-FFF2-40B4-BE49-F238E27FC236}">
-                <a16:creationId xmlns:a16="http://schemas.microsoft.com/office/drawing/2014/main" id="{CD61A3D1-D9B4-4800-9FDA-6BEFC46ECACE}"/>
+                <a16:creationId xmlns:a16="http://schemas.microsoft.com/office/drawing/2014/main" xmlns="" id="{CD61A3D1-D9B4-4800-9FDA-6BEFC46ECACE}"/>
               </a:ext>
             </a:extLst>
           </p:cNvPr>
@@ -14861,7 +14878,7 @@
           <p:cNvPr id="3" name="직사각형 2">
             <a:extLst>
               <a:ext uri="{FF2B5EF4-FFF2-40B4-BE49-F238E27FC236}">
-                <a16:creationId xmlns:a16="http://schemas.microsoft.com/office/drawing/2014/main" id="{2D40AF53-0ED8-4932-865D-F3F355866D0C}"/>
+                <a16:creationId xmlns:a16="http://schemas.microsoft.com/office/drawing/2014/main" xmlns="" id="{2D40AF53-0ED8-4932-865D-F3F355866D0C}"/>
               </a:ext>
             </a:extLst>
           </p:cNvPr>
@@ -14913,7 +14930,7 @@
           <p:cNvPr id="60" name="직사각형 59">
             <a:extLst>
               <a:ext uri="{FF2B5EF4-FFF2-40B4-BE49-F238E27FC236}">
-                <a16:creationId xmlns:a16="http://schemas.microsoft.com/office/drawing/2014/main" id="{90C4649D-6919-4F99-B950-E49388F15831}"/>
+                <a16:creationId xmlns:a16="http://schemas.microsoft.com/office/drawing/2014/main" xmlns="" id="{90C4649D-6919-4F99-B950-E49388F15831}"/>
               </a:ext>
             </a:extLst>
           </p:cNvPr>
@@ -14965,7 +14982,7 @@
           <p:cNvPr id="66" name="직사각형 65">
             <a:extLst>
               <a:ext uri="{FF2B5EF4-FFF2-40B4-BE49-F238E27FC236}">
-                <a16:creationId xmlns:a16="http://schemas.microsoft.com/office/drawing/2014/main" id="{F3DC4112-C045-4CE5-BDAD-3C73B752FF2B}"/>
+                <a16:creationId xmlns:a16="http://schemas.microsoft.com/office/drawing/2014/main" xmlns="" id="{F3DC4112-C045-4CE5-BDAD-3C73B752FF2B}"/>
               </a:ext>
             </a:extLst>
           </p:cNvPr>
@@ -15017,7 +15034,7 @@
           <p:cNvPr id="69" name="직사각형 68">
             <a:extLst>
               <a:ext uri="{FF2B5EF4-FFF2-40B4-BE49-F238E27FC236}">
-                <a16:creationId xmlns:a16="http://schemas.microsoft.com/office/drawing/2014/main" id="{0C71CDA0-6588-4FE3-A849-BCD2C23802A6}"/>
+                <a16:creationId xmlns:a16="http://schemas.microsoft.com/office/drawing/2014/main" xmlns="" id="{0C71CDA0-6588-4FE3-A849-BCD2C23802A6}"/>
               </a:ext>
             </a:extLst>
           </p:cNvPr>
@@ -15069,7 +15086,7 @@
           <p:cNvPr id="71" name="직사각형 70">
             <a:extLst>
               <a:ext uri="{FF2B5EF4-FFF2-40B4-BE49-F238E27FC236}">
-                <a16:creationId xmlns:a16="http://schemas.microsoft.com/office/drawing/2014/main" id="{71E48AFD-8930-4063-A945-BA158A818583}"/>
+                <a16:creationId xmlns:a16="http://schemas.microsoft.com/office/drawing/2014/main" xmlns="" id="{71E48AFD-8930-4063-A945-BA158A818583}"/>
               </a:ext>
             </a:extLst>
           </p:cNvPr>
@@ -15151,7 +15168,7 @@
           <p:cNvPr id="2" name="제목 1">
             <a:extLst>
               <a:ext uri="{FF2B5EF4-FFF2-40B4-BE49-F238E27FC236}">
-                <a16:creationId xmlns:a16="http://schemas.microsoft.com/office/drawing/2014/main" id="{410262FD-C344-4057-85C5-02913FCA375B}"/>
+                <a16:creationId xmlns:a16="http://schemas.microsoft.com/office/drawing/2014/main" xmlns="" id="{410262FD-C344-4057-85C5-02913FCA375B}"/>
               </a:ext>
             </a:extLst>
           </p:cNvPr>
@@ -15192,7 +15209,7 @@
           <p:cNvPr id="78" name="그룹 77">
             <a:extLst>
               <a:ext uri="{FF2B5EF4-FFF2-40B4-BE49-F238E27FC236}">
-                <a16:creationId xmlns:a16="http://schemas.microsoft.com/office/drawing/2014/main" id="{46A2B812-0101-4803-AD53-C29C9F24846B}"/>
+                <a16:creationId xmlns:a16="http://schemas.microsoft.com/office/drawing/2014/main" xmlns="" id="{46A2B812-0101-4803-AD53-C29C9F24846B}"/>
               </a:ext>
             </a:extLst>
           </p:cNvPr>
@@ -15212,7 +15229,7 @@
             <p:cNvPr id="4" name="직사각형 3">
               <a:extLst>
                 <a:ext uri="{FF2B5EF4-FFF2-40B4-BE49-F238E27FC236}">
-                  <a16:creationId xmlns:a16="http://schemas.microsoft.com/office/drawing/2014/main" id="{F005C737-487D-4B03-B095-A5F3F50CB516}"/>
+                  <a16:creationId xmlns:a16="http://schemas.microsoft.com/office/drawing/2014/main" xmlns="" id="{F005C737-487D-4B03-B095-A5F3F50CB516}"/>
                 </a:ext>
               </a:extLst>
             </p:cNvPr>
@@ -15270,7 +15287,7 @@
             <p:cNvPr id="45" name="그룹 44">
               <a:extLst>
                 <a:ext uri="{FF2B5EF4-FFF2-40B4-BE49-F238E27FC236}">
-                  <a16:creationId xmlns:a16="http://schemas.microsoft.com/office/drawing/2014/main" id="{8F3703A9-B34C-4A94-A39D-F28A884CEE21}"/>
+                  <a16:creationId xmlns:a16="http://schemas.microsoft.com/office/drawing/2014/main" xmlns="" id="{8F3703A9-B34C-4A94-A39D-F28A884CEE21}"/>
                 </a:ext>
               </a:extLst>
             </p:cNvPr>
@@ -15290,7 +15307,7 @@
               <p:cNvPr id="7" name="그룹 6">
                 <a:extLst>
                   <a:ext uri="{FF2B5EF4-FFF2-40B4-BE49-F238E27FC236}">
-                    <a16:creationId xmlns:a16="http://schemas.microsoft.com/office/drawing/2014/main" id="{C819B905-76A3-45D5-87CC-2DFB8FA8B67D}"/>
+                    <a16:creationId xmlns:a16="http://schemas.microsoft.com/office/drawing/2014/main" xmlns="" id="{C819B905-76A3-45D5-87CC-2DFB8FA8B67D}"/>
                   </a:ext>
                 </a:extLst>
               </p:cNvPr>
@@ -15313,7 +15330,7 @@
                 <p:cNvPr id="6" name="타원 5">
                   <a:extLst>
                     <a:ext uri="{FF2B5EF4-FFF2-40B4-BE49-F238E27FC236}">
-                      <a16:creationId xmlns:a16="http://schemas.microsoft.com/office/drawing/2014/main" id="{7FB69B6C-507D-4269-BD68-5D7DCADC56F6}"/>
+                      <a16:creationId xmlns:a16="http://schemas.microsoft.com/office/drawing/2014/main" xmlns="" id="{7FB69B6C-507D-4269-BD68-5D7DCADC56F6}"/>
                     </a:ext>
                   </a:extLst>
                 </p:cNvPr>
@@ -15365,7 +15382,7 @@
                 <p:cNvPr id="5" name="직사각형 4">
                   <a:extLst>
                     <a:ext uri="{FF2B5EF4-FFF2-40B4-BE49-F238E27FC236}">
-                      <a16:creationId xmlns:a16="http://schemas.microsoft.com/office/drawing/2014/main" id="{39FE967C-9243-47D8-8BDF-DD4048551AA8}"/>
+                      <a16:creationId xmlns:a16="http://schemas.microsoft.com/office/drawing/2014/main" xmlns="" id="{39FE967C-9243-47D8-8BDF-DD4048551AA8}"/>
                     </a:ext>
                   </a:extLst>
                 </p:cNvPr>
@@ -15418,7 +15435,7 @@
               <p:cNvPr id="8" name="그룹 7">
                 <a:extLst>
                   <a:ext uri="{FF2B5EF4-FFF2-40B4-BE49-F238E27FC236}">
-                    <a16:creationId xmlns:a16="http://schemas.microsoft.com/office/drawing/2014/main" id="{50CBCB0F-1853-48D7-AC8F-5F2F7B1332DB}"/>
+                    <a16:creationId xmlns:a16="http://schemas.microsoft.com/office/drawing/2014/main" xmlns="" id="{50CBCB0F-1853-48D7-AC8F-5F2F7B1332DB}"/>
                   </a:ext>
                 </a:extLst>
               </p:cNvPr>
@@ -15441,7 +15458,7 @@
                 <p:cNvPr id="9" name="타원 8">
                   <a:extLst>
                     <a:ext uri="{FF2B5EF4-FFF2-40B4-BE49-F238E27FC236}">
-                      <a16:creationId xmlns:a16="http://schemas.microsoft.com/office/drawing/2014/main" id="{00C45101-053E-4E83-B38F-8E441C1721D3}"/>
+                      <a16:creationId xmlns:a16="http://schemas.microsoft.com/office/drawing/2014/main" xmlns="" id="{00C45101-053E-4E83-B38F-8E441C1721D3}"/>
                     </a:ext>
                   </a:extLst>
                 </p:cNvPr>
@@ -15488,7 +15505,7 @@
                 <p:cNvPr id="10" name="직사각형 9">
                   <a:extLst>
                     <a:ext uri="{FF2B5EF4-FFF2-40B4-BE49-F238E27FC236}">
-                      <a16:creationId xmlns:a16="http://schemas.microsoft.com/office/drawing/2014/main" id="{5F3B865F-4487-452C-8AC4-0D2A3B7DE8EA}"/>
+                      <a16:creationId xmlns:a16="http://schemas.microsoft.com/office/drawing/2014/main" xmlns="" id="{5F3B865F-4487-452C-8AC4-0D2A3B7DE8EA}"/>
                     </a:ext>
                   </a:extLst>
                 </p:cNvPr>
@@ -15536,7 +15553,7 @@
               <p:cNvPr id="11" name="그룹 10">
                 <a:extLst>
                   <a:ext uri="{FF2B5EF4-FFF2-40B4-BE49-F238E27FC236}">
-                    <a16:creationId xmlns:a16="http://schemas.microsoft.com/office/drawing/2014/main" id="{C6CE2DAD-6F78-46C7-829C-B03295C22E28}"/>
+                    <a16:creationId xmlns:a16="http://schemas.microsoft.com/office/drawing/2014/main" xmlns="" id="{C6CE2DAD-6F78-46C7-829C-B03295C22E28}"/>
                   </a:ext>
                 </a:extLst>
               </p:cNvPr>
@@ -15559,7 +15576,7 @@
                 <p:cNvPr id="12" name="타원 11">
                   <a:extLst>
                     <a:ext uri="{FF2B5EF4-FFF2-40B4-BE49-F238E27FC236}">
-                      <a16:creationId xmlns:a16="http://schemas.microsoft.com/office/drawing/2014/main" id="{8F4DF09D-A7E6-4429-81C5-F62BCF3D3FEB}"/>
+                      <a16:creationId xmlns:a16="http://schemas.microsoft.com/office/drawing/2014/main" xmlns="" id="{8F4DF09D-A7E6-4429-81C5-F62BCF3D3FEB}"/>
                     </a:ext>
                   </a:extLst>
                 </p:cNvPr>
@@ -15606,7 +15623,7 @@
                 <p:cNvPr id="13" name="직사각형 12">
                   <a:extLst>
                     <a:ext uri="{FF2B5EF4-FFF2-40B4-BE49-F238E27FC236}">
-                      <a16:creationId xmlns:a16="http://schemas.microsoft.com/office/drawing/2014/main" id="{305065E5-5DD8-47F9-AB0E-54C013A005B3}"/>
+                      <a16:creationId xmlns:a16="http://schemas.microsoft.com/office/drawing/2014/main" xmlns="" id="{305065E5-5DD8-47F9-AB0E-54C013A005B3}"/>
                     </a:ext>
                   </a:extLst>
                 </p:cNvPr>
@@ -15654,7 +15671,7 @@
               <p:cNvPr id="14" name="그룹 13">
                 <a:extLst>
                   <a:ext uri="{FF2B5EF4-FFF2-40B4-BE49-F238E27FC236}">
-                    <a16:creationId xmlns:a16="http://schemas.microsoft.com/office/drawing/2014/main" id="{1BE56B41-CB75-499B-AE18-4745546ED804}"/>
+                    <a16:creationId xmlns:a16="http://schemas.microsoft.com/office/drawing/2014/main" xmlns="" id="{1BE56B41-CB75-499B-AE18-4745546ED804}"/>
                   </a:ext>
                 </a:extLst>
               </p:cNvPr>
@@ -15677,7 +15694,7 @@
                 <p:cNvPr id="15" name="타원 14">
                   <a:extLst>
                     <a:ext uri="{FF2B5EF4-FFF2-40B4-BE49-F238E27FC236}">
-                      <a16:creationId xmlns:a16="http://schemas.microsoft.com/office/drawing/2014/main" id="{B43B0C77-F225-4797-B2A1-3175D50249E6}"/>
+                      <a16:creationId xmlns:a16="http://schemas.microsoft.com/office/drawing/2014/main" xmlns="" id="{B43B0C77-F225-4797-B2A1-3175D50249E6}"/>
                     </a:ext>
                   </a:extLst>
                 </p:cNvPr>
@@ -15724,7 +15741,7 @@
                 <p:cNvPr id="16" name="직사각형 15">
                   <a:extLst>
                     <a:ext uri="{FF2B5EF4-FFF2-40B4-BE49-F238E27FC236}">
-                      <a16:creationId xmlns:a16="http://schemas.microsoft.com/office/drawing/2014/main" id="{913BA0AD-8296-4C14-AC3A-66261C2D572E}"/>
+                      <a16:creationId xmlns:a16="http://schemas.microsoft.com/office/drawing/2014/main" xmlns="" id="{913BA0AD-8296-4C14-AC3A-66261C2D572E}"/>
                     </a:ext>
                   </a:extLst>
                 </p:cNvPr>
@@ -15772,7 +15789,7 @@
               <p:cNvPr id="17" name="그룹 16">
                 <a:extLst>
                   <a:ext uri="{FF2B5EF4-FFF2-40B4-BE49-F238E27FC236}">
-                    <a16:creationId xmlns:a16="http://schemas.microsoft.com/office/drawing/2014/main" id="{90F5D26F-6D5E-40B9-B84F-992F20F7D302}"/>
+                    <a16:creationId xmlns:a16="http://schemas.microsoft.com/office/drawing/2014/main" xmlns="" id="{90F5D26F-6D5E-40B9-B84F-992F20F7D302}"/>
                   </a:ext>
                 </a:extLst>
               </p:cNvPr>
@@ -15795,7 +15812,7 @@
                 <p:cNvPr id="18" name="타원 17">
                   <a:extLst>
                     <a:ext uri="{FF2B5EF4-FFF2-40B4-BE49-F238E27FC236}">
-                      <a16:creationId xmlns:a16="http://schemas.microsoft.com/office/drawing/2014/main" id="{54E724CB-4616-4600-AF86-92DD686BFF72}"/>
+                      <a16:creationId xmlns:a16="http://schemas.microsoft.com/office/drawing/2014/main" xmlns="" id="{54E724CB-4616-4600-AF86-92DD686BFF72}"/>
                     </a:ext>
                   </a:extLst>
                 </p:cNvPr>
@@ -15842,7 +15859,7 @@
                 <p:cNvPr id="19" name="직사각형 18">
                   <a:extLst>
                     <a:ext uri="{FF2B5EF4-FFF2-40B4-BE49-F238E27FC236}">
-                      <a16:creationId xmlns:a16="http://schemas.microsoft.com/office/drawing/2014/main" id="{A2D2107D-E20A-44F0-8852-B704E4B87D3E}"/>
+                      <a16:creationId xmlns:a16="http://schemas.microsoft.com/office/drawing/2014/main" xmlns="" id="{A2D2107D-E20A-44F0-8852-B704E4B87D3E}"/>
                     </a:ext>
                   </a:extLst>
                 </p:cNvPr>
@@ -15891,7 +15908,7 @@
             <p:cNvPr id="46" name="그룹 45">
               <a:extLst>
                 <a:ext uri="{FF2B5EF4-FFF2-40B4-BE49-F238E27FC236}">
-                  <a16:creationId xmlns:a16="http://schemas.microsoft.com/office/drawing/2014/main" id="{F11AC52B-86D2-4DEF-A651-D1617B1DE73B}"/>
+                  <a16:creationId xmlns:a16="http://schemas.microsoft.com/office/drawing/2014/main" xmlns="" id="{F11AC52B-86D2-4DEF-A651-D1617B1DE73B}"/>
                 </a:ext>
               </a:extLst>
             </p:cNvPr>
@@ -15911,7 +15928,7 @@
               <p:cNvPr id="22" name="그룹 21">
                 <a:extLst>
                   <a:ext uri="{FF2B5EF4-FFF2-40B4-BE49-F238E27FC236}">
-                    <a16:creationId xmlns:a16="http://schemas.microsoft.com/office/drawing/2014/main" id="{1F272908-34B9-4D48-83B3-50C4E9A8EBEB}"/>
+                    <a16:creationId xmlns:a16="http://schemas.microsoft.com/office/drawing/2014/main" xmlns="" id="{1F272908-34B9-4D48-83B3-50C4E9A8EBEB}"/>
                   </a:ext>
                 </a:extLst>
               </p:cNvPr>
@@ -15934,7 +15951,7 @@
                 <p:cNvPr id="35" name="타원 34">
                   <a:extLst>
                     <a:ext uri="{FF2B5EF4-FFF2-40B4-BE49-F238E27FC236}">
-                      <a16:creationId xmlns:a16="http://schemas.microsoft.com/office/drawing/2014/main" id="{4997208F-1F19-4309-8880-7436561A4C0C}"/>
+                      <a16:creationId xmlns:a16="http://schemas.microsoft.com/office/drawing/2014/main" xmlns="" id="{4997208F-1F19-4309-8880-7436561A4C0C}"/>
                     </a:ext>
                   </a:extLst>
                 </p:cNvPr>
@@ -15986,7 +16003,7 @@
                 <p:cNvPr id="36" name="직사각형 35">
                   <a:extLst>
                     <a:ext uri="{FF2B5EF4-FFF2-40B4-BE49-F238E27FC236}">
-                      <a16:creationId xmlns:a16="http://schemas.microsoft.com/office/drawing/2014/main" id="{B350E19F-7D9B-459D-A0CB-F7ED75FCDFC8}"/>
+                      <a16:creationId xmlns:a16="http://schemas.microsoft.com/office/drawing/2014/main" xmlns="" id="{B350E19F-7D9B-459D-A0CB-F7ED75FCDFC8}"/>
                     </a:ext>
                   </a:extLst>
                 </p:cNvPr>
@@ -16039,7 +16056,7 @@
               <p:cNvPr id="23" name="그룹 22">
                 <a:extLst>
                   <a:ext uri="{FF2B5EF4-FFF2-40B4-BE49-F238E27FC236}">
-                    <a16:creationId xmlns:a16="http://schemas.microsoft.com/office/drawing/2014/main" id="{B3BCE182-2289-4409-9225-96AB0DA60E47}"/>
+                    <a16:creationId xmlns:a16="http://schemas.microsoft.com/office/drawing/2014/main" xmlns="" id="{B3BCE182-2289-4409-9225-96AB0DA60E47}"/>
                   </a:ext>
                 </a:extLst>
               </p:cNvPr>
@@ -16062,7 +16079,7 @@
                 <p:cNvPr id="33" name="타원 32">
                   <a:extLst>
                     <a:ext uri="{FF2B5EF4-FFF2-40B4-BE49-F238E27FC236}">
-                      <a16:creationId xmlns:a16="http://schemas.microsoft.com/office/drawing/2014/main" id="{46054F01-89DE-4096-AC6F-0E924896A986}"/>
+                      <a16:creationId xmlns:a16="http://schemas.microsoft.com/office/drawing/2014/main" xmlns="" id="{46054F01-89DE-4096-AC6F-0E924896A986}"/>
                     </a:ext>
                   </a:extLst>
                 </p:cNvPr>
@@ -16114,7 +16131,7 @@
                 <p:cNvPr id="34" name="직사각형 33">
                   <a:extLst>
                     <a:ext uri="{FF2B5EF4-FFF2-40B4-BE49-F238E27FC236}">
-                      <a16:creationId xmlns:a16="http://schemas.microsoft.com/office/drawing/2014/main" id="{C5978183-D750-4E62-BAAD-2166CC0180B4}"/>
+                      <a16:creationId xmlns:a16="http://schemas.microsoft.com/office/drawing/2014/main" xmlns="" id="{C5978183-D750-4E62-BAAD-2166CC0180B4}"/>
                     </a:ext>
                   </a:extLst>
                 </p:cNvPr>
@@ -16167,7 +16184,7 @@
               <p:cNvPr id="24" name="그룹 23">
                 <a:extLst>
                   <a:ext uri="{FF2B5EF4-FFF2-40B4-BE49-F238E27FC236}">
-                    <a16:creationId xmlns:a16="http://schemas.microsoft.com/office/drawing/2014/main" id="{2F766586-13F9-498B-9B2D-E81FC824DFDD}"/>
+                    <a16:creationId xmlns:a16="http://schemas.microsoft.com/office/drawing/2014/main" xmlns="" id="{2F766586-13F9-498B-9B2D-E81FC824DFDD}"/>
                   </a:ext>
                 </a:extLst>
               </p:cNvPr>
@@ -16190,7 +16207,7 @@
                 <p:cNvPr id="31" name="타원 30">
                   <a:extLst>
                     <a:ext uri="{FF2B5EF4-FFF2-40B4-BE49-F238E27FC236}">
-                      <a16:creationId xmlns:a16="http://schemas.microsoft.com/office/drawing/2014/main" id="{EA0D3BF1-D1EB-447A-86BC-68DE9206C133}"/>
+                      <a16:creationId xmlns:a16="http://schemas.microsoft.com/office/drawing/2014/main" xmlns="" id="{EA0D3BF1-D1EB-447A-86BC-68DE9206C133}"/>
                     </a:ext>
                   </a:extLst>
                 </p:cNvPr>
@@ -16242,7 +16259,7 @@
                 <p:cNvPr id="32" name="직사각형 31">
                   <a:extLst>
                     <a:ext uri="{FF2B5EF4-FFF2-40B4-BE49-F238E27FC236}">
-                      <a16:creationId xmlns:a16="http://schemas.microsoft.com/office/drawing/2014/main" id="{A289DB79-025B-4E59-B4C5-C937BBFC5F16}"/>
+                      <a16:creationId xmlns:a16="http://schemas.microsoft.com/office/drawing/2014/main" xmlns="" id="{A289DB79-025B-4E59-B4C5-C937BBFC5F16}"/>
                     </a:ext>
                   </a:extLst>
                 </p:cNvPr>
@@ -16295,7 +16312,7 @@
               <p:cNvPr id="25" name="그룹 24">
                 <a:extLst>
                   <a:ext uri="{FF2B5EF4-FFF2-40B4-BE49-F238E27FC236}">
-                    <a16:creationId xmlns:a16="http://schemas.microsoft.com/office/drawing/2014/main" id="{9D89AF4E-7771-4E92-AD67-82AFE89938A7}"/>
+                    <a16:creationId xmlns:a16="http://schemas.microsoft.com/office/drawing/2014/main" xmlns="" id="{9D89AF4E-7771-4E92-AD67-82AFE89938A7}"/>
                   </a:ext>
                 </a:extLst>
               </p:cNvPr>
@@ -16318,7 +16335,7 @@
                 <p:cNvPr id="29" name="타원 28">
                   <a:extLst>
                     <a:ext uri="{FF2B5EF4-FFF2-40B4-BE49-F238E27FC236}">
-                      <a16:creationId xmlns:a16="http://schemas.microsoft.com/office/drawing/2014/main" id="{487633DF-6158-46B7-9244-51D424FB07EE}"/>
+                      <a16:creationId xmlns:a16="http://schemas.microsoft.com/office/drawing/2014/main" xmlns="" id="{487633DF-6158-46B7-9244-51D424FB07EE}"/>
                     </a:ext>
                   </a:extLst>
                 </p:cNvPr>
@@ -16370,7 +16387,7 @@
                 <p:cNvPr id="30" name="직사각형 29">
                   <a:extLst>
                     <a:ext uri="{FF2B5EF4-FFF2-40B4-BE49-F238E27FC236}">
-                      <a16:creationId xmlns:a16="http://schemas.microsoft.com/office/drawing/2014/main" id="{C04C14E8-644B-4394-8332-97377B6E681B}"/>
+                      <a16:creationId xmlns:a16="http://schemas.microsoft.com/office/drawing/2014/main" xmlns="" id="{C04C14E8-644B-4394-8332-97377B6E681B}"/>
                     </a:ext>
                   </a:extLst>
                 </p:cNvPr>
@@ -16423,7 +16440,7 @@
               <p:cNvPr id="26" name="그룹 25">
                 <a:extLst>
                   <a:ext uri="{FF2B5EF4-FFF2-40B4-BE49-F238E27FC236}">
-                    <a16:creationId xmlns:a16="http://schemas.microsoft.com/office/drawing/2014/main" id="{0AD4964C-0F5D-469F-B17B-07C4C3E943B4}"/>
+                    <a16:creationId xmlns:a16="http://schemas.microsoft.com/office/drawing/2014/main" xmlns="" id="{0AD4964C-0F5D-469F-B17B-07C4C3E943B4}"/>
                   </a:ext>
                 </a:extLst>
               </p:cNvPr>
@@ -16446,7 +16463,7 @@
                 <p:cNvPr id="27" name="타원 26">
                   <a:extLst>
                     <a:ext uri="{FF2B5EF4-FFF2-40B4-BE49-F238E27FC236}">
-                      <a16:creationId xmlns:a16="http://schemas.microsoft.com/office/drawing/2014/main" id="{44F27C40-2AD2-4489-9D22-B03B20DC06EE}"/>
+                      <a16:creationId xmlns:a16="http://schemas.microsoft.com/office/drawing/2014/main" xmlns="" id="{44F27C40-2AD2-4489-9D22-B03B20DC06EE}"/>
                     </a:ext>
                   </a:extLst>
                 </p:cNvPr>
@@ -16498,7 +16515,7 @@
                 <p:cNvPr id="28" name="직사각형 27">
                   <a:extLst>
                     <a:ext uri="{FF2B5EF4-FFF2-40B4-BE49-F238E27FC236}">
-                      <a16:creationId xmlns:a16="http://schemas.microsoft.com/office/drawing/2014/main" id="{D0014287-05BC-4F8D-A0C4-B5F57F06214F}"/>
+                      <a16:creationId xmlns:a16="http://schemas.microsoft.com/office/drawing/2014/main" xmlns="" id="{D0014287-05BC-4F8D-A0C4-B5F57F06214F}"/>
                     </a:ext>
                   </a:extLst>
                 </p:cNvPr>
@@ -16552,7 +16569,7 @@
             <p:cNvPr id="38" name="직선 연결선 37">
               <a:extLst>
                 <a:ext uri="{FF2B5EF4-FFF2-40B4-BE49-F238E27FC236}">
-                  <a16:creationId xmlns:a16="http://schemas.microsoft.com/office/drawing/2014/main" id="{6FA7FB95-A1DF-4EC8-838E-F6E21D72C990}"/>
+                  <a16:creationId xmlns:a16="http://schemas.microsoft.com/office/drawing/2014/main" xmlns="" id="{6FA7FB95-A1DF-4EC8-838E-F6E21D72C990}"/>
                 </a:ext>
               </a:extLst>
             </p:cNvPr>
@@ -16596,7 +16613,7 @@
             <p:cNvPr id="44" name="TextBox 43">
               <a:extLst>
                 <a:ext uri="{FF2B5EF4-FFF2-40B4-BE49-F238E27FC236}">
-                  <a16:creationId xmlns:a16="http://schemas.microsoft.com/office/drawing/2014/main" id="{DAEEE1D5-1347-406B-86F7-B2DF264AD889}"/>
+                  <a16:creationId xmlns:a16="http://schemas.microsoft.com/office/drawing/2014/main" xmlns="" id="{DAEEE1D5-1347-406B-86F7-B2DF264AD889}"/>
                 </a:ext>
               </a:extLst>
             </p:cNvPr>
@@ -16632,7 +16649,7 @@
             <p:cNvPr id="48" name="TextBox 47">
               <a:extLst>
                 <a:ext uri="{FF2B5EF4-FFF2-40B4-BE49-F238E27FC236}">
-                  <a16:creationId xmlns:a16="http://schemas.microsoft.com/office/drawing/2014/main" id="{FA86DC23-9113-463E-A49E-A07CBDBE7776}"/>
+                  <a16:creationId xmlns:a16="http://schemas.microsoft.com/office/drawing/2014/main" xmlns="" id="{FA86DC23-9113-463E-A49E-A07CBDBE7776}"/>
                 </a:ext>
               </a:extLst>
             </p:cNvPr>
@@ -16668,7 +16685,7 @@
             <p:cNvPr id="51" name="직사각형 50">
               <a:extLst>
                 <a:ext uri="{FF2B5EF4-FFF2-40B4-BE49-F238E27FC236}">
-                  <a16:creationId xmlns:a16="http://schemas.microsoft.com/office/drawing/2014/main" id="{03A36FCA-D93C-480E-9BFC-8C67970F40A4}"/>
+                  <a16:creationId xmlns:a16="http://schemas.microsoft.com/office/drawing/2014/main" xmlns="" id="{03A36FCA-D93C-480E-9BFC-8C67970F40A4}"/>
                 </a:ext>
               </a:extLst>
             </p:cNvPr>
@@ -16714,7 +16731,7 @@
             <p:cNvPr id="52" name="직사각형 51">
               <a:extLst>
                 <a:ext uri="{FF2B5EF4-FFF2-40B4-BE49-F238E27FC236}">
-                  <a16:creationId xmlns:a16="http://schemas.microsoft.com/office/drawing/2014/main" id="{C2324108-73EC-4498-AC43-8A552740C0CA}"/>
+                  <a16:creationId xmlns:a16="http://schemas.microsoft.com/office/drawing/2014/main" xmlns="" id="{C2324108-73EC-4498-AC43-8A552740C0CA}"/>
                 </a:ext>
               </a:extLst>
             </p:cNvPr>
@@ -16760,7 +16777,7 @@
             <p:cNvPr id="53" name="직사각형 52">
               <a:extLst>
                 <a:ext uri="{FF2B5EF4-FFF2-40B4-BE49-F238E27FC236}">
-                  <a16:creationId xmlns:a16="http://schemas.microsoft.com/office/drawing/2014/main" id="{CAE862F1-3DFF-4053-9D33-78F7154D6A37}"/>
+                  <a16:creationId xmlns:a16="http://schemas.microsoft.com/office/drawing/2014/main" xmlns="" id="{CAE862F1-3DFF-4053-9D33-78F7154D6A37}"/>
                 </a:ext>
               </a:extLst>
             </p:cNvPr>
@@ -16806,7 +16823,7 @@
             <p:cNvPr id="54" name="직사각형 53">
               <a:extLst>
                 <a:ext uri="{FF2B5EF4-FFF2-40B4-BE49-F238E27FC236}">
-                  <a16:creationId xmlns:a16="http://schemas.microsoft.com/office/drawing/2014/main" id="{B7D5EDEE-DE3F-438D-A79B-9AB8DA380922}"/>
+                  <a16:creationId xmlns:a16="http://schemas.microsoft.com/office/drawing/2014/main" xmlns="" id="{B7D5EDEE-DE3F-438D-A79B-9AB8DA380922}"/>
                 </a:ext>
               </a:extLst>
             </p:cNvPr>
@@ -16852,7 +16869,7 @@
             <p:cNvPr id="55" name="직사각형 54">
               <a:extLst>
                 <a:ext uri="{FF2B5EF4-FFF2-40B4-BE49-F238E27FC236}">
-                  <a16:creationId xmlns:a16="http://schemas.microsoft.com/office/drawing/2014/main" id="{A02A089F-1419-4FB7-B601-0C2357D67081}"/>
+                  <a16:creationId xmlns:a16="http://schemas.microsoft.com/office/drawing/2014/main" xmlns="" id="{A02A089F-1419-4FB7-B601-0C2357D67081}"/>
                 </a:ext>
               </a:extLst>
             </p:cNvPr>
@@ -16898,7 +16915,7 @@
             <p:cNvPr id="56" name="직사각형 55">
               <a:extLst>
                 <a:ext uri="{FF2B5EF4-FFF2-40B4-BE49-F238E27FC236}">
-                  <a16:creationId xmlns:a16="http://schemas.microsoft.com/office/drawing/2014/main" id="{228D1AAA-FE8A-4670-90FB-C259275ED059}"/>
+                  <a16:creationId xmlns:a16="http://schemas.microsoft.com/office/drawing/2014/main" xmlns="" id="{228D1AAA-FE8A-4670-90FB-C259275ED059}"/>
                 </a:ext>
               </a:extLst>
             </p:cNvPr>
@@ -16947,7 +16964,7 @@
             <p:cNvPr id="57" name="직사각형 56">
               <a:extLst>
                 <a:ext uri="{FF2B5EF4-FFF2-40B4-BE49-F238E27FC236}">
-                  <a16:creationId xmlns:a16="http://schemas.microsoft.com/office/drawing/2014/main" id="{0DD1AAC0-19A8-4B94-B7BB-2CDF77667912}"/>
+                  <a16:creationId xmlns:a16="http://schemas.microsoft.com/office/drawing/2014/main" xmlns="" id="{0DD1AAC0-19A8-4B94-B7BB-2CDF77667912}"/>
                 </a:ext>
               </a:extLst>
             </p:cNvPr>
@@ -16996,7 +17013,7 @@
             <p:cNvPr id="58" name="직사각형 57">
               <a:extLst>
                 <a:ext uri="{FF2B5EF4-FFF2-40B4-BE49-F238E27FC236}">
-                  <a16:creationId xmlns:a16="http://schemas.microsoft.com/office/drawing/2014/main" id="{2273170E-A06E-40CA-BFEF-7FB536F9F169}"/>
+                  <a16:creationId xmlns:a16="http://schemas.microsoft.com/office/drawing/2014/main" xmlns="" id="{2273170E-A06E-40CA-BFEF-7FB536F9F169}"/>
                 </a:ext>
               </a:extLst>
             </p:cNvPr>
@@ -17045,7 +17062,7 @@
             <p:cNvPr id="59" name="직사각형 58">
               <a:extLst>
                 <a:ext uri="{FF2B5EF4-FFF2-40B4-BE49-F238E27FC236}">
-                  <a16:creationId xmlns:a16="http://schemas.microsoft.com/office/drawing/2014/main" id="{0109E20E-6EDF-4528-BA58-B27FED78056A}"/>
+                  <a16:creationId xmlns:a16="http://schemas.microsoft.com/office/drawing/2014/main" xmlns="" id="{0109E20E-6EDF-4528-BA58-B27FED78056A}"/>
                 </a:ext>
               </a:extLst>
             </p:cNvPr>
@@ -17094,7 +17111,7 @@
             <p:cNvPr id="60" name="직사각형 59">
               <a:extLst>
                 <a:ext uri="{FF2B5EF4-FFF2-40B4-BE49-F238E27FC236}">
-                  <a16:creationId xmlns:a16="http://schemas.microsoft.com/office/drawing/2014/main" id="{67D3FADF-14AD-4E27-A71D-DA9B511D3ADB}"/>
+                  <a16:creationId xmlns:a16="http://schemas.microsoft.com/office/drawing/2014/main" xmlns="" id="{67D3FADF-14AD-4E27-A71D-DA9B511D3ADB}"/>
                 </a:ext>
               </a:extLst>
             </p:cNvPr>
@@ -17143,7 +17160,7 @@
             <p:cNvPr id="61" name="TextBox 60">
               <a:extLst>
                 <a:ext uri="{FF2B5EF4-FFF2-40B4-BE49-F238E27FC236}">
-                  <a16:creationId xmlns:a16="http://schemas.microsoft.com/office/drawing/2014/main" id="{C117EDC8-18C9-4545-BA6D-2B65E8C0CCC3}"/>
+                  <a16:creationId xmlns:a16="http://schemas.microsoft.com/office/drawing/2014/main" xmlns="" id="{C117EDC8-18C9-4545-BA6D-2B65E8C0CCC3}"/>
                 </a:ext>
               </a:extLst>
             </p:cNvPr>
@@ -17178,7 +17195,7 @@
             <p:cNvPr id="62" name="TextBox 61">
               <a:extLst>
                 <a:ext uri="{FF2B5EF4-FFF2-40B4-BE49-F238E27FC236}">
-                  <a16:creationId xmlns:a16="http://schemas.microsoft.com/office/drawing/2014/main" id="{6906C84B-0089-4F91-928C-EE98017271FB}"/>
+                  <a16:creationId xmlns:a16="http://schemas.microsoft.com/office/drawing/2014/main" xmlns="" id="{6906C84B-0089-4F91-928C-EE98017271FB}"/>
                 </a:ext>
               </a:extLst>
             </p:cNvPr>
@@ -17213,7 +17230,7 @@
             <p:cNvPr id="63" name="TextBox 62">
               <a:extLst>
                 <a:ext uri="{FF2B5EF4-FFF2-40B4-BE49-F238E27FC236}">
-                  <a16:creationId xmlns:a16="http://schemas.microsoft.com/office/drawing/2014/main" id="{8B837ED5-1CE3-44C9-AEE9-DF518F0F9B9D}"/>
+                  <a16:creationId xmlns:a16="http://schemas.microsoft.com/office/drawing/2014/main" xmlns="" id="{8B837ED5-1CE3-44C9-AEE9-DF518F0F9B9D}"/>
                 </a:ext>
               </a:extLst>
             </p:cNvPr>
@@ -17248,7 +17265,7 @@
             <p:cNvPr id="64" name="TextBox 63">
               <a:extLst>
                 <a:ext uri="{FF2B5EF4-FFF2-40B4-BE49-F238E27FC236}">
-                  <a16:creationId xmlns:a16="http://schemas.microsoft.com/office/drawing/2014/main" id="{B02436A4-5562-47AC-B1C7-0A946AF79C9C}"/>
+                  <a16:creationId xmlns:a16="http://schemas.microsoft.com/office/drawing/2014/main" xmlns="" id="{B02436A4-5562-47AC-B1C7-0A946AF79C9C}"/>
                 </a:ext>
               </a:extLst>
             </p:cNvPr>
@@ -17283,7 +17300,7 @@
             <p:cNvPr id="65" name="TextBox 64">
               <a:extLst>
                 <a:ext uri="{FF2B5EF4-FFF2-40B4-BE49-F238E27FC236}">
-                  <a16:creationId xmlns:a16="http://schemas.microsoft.com/office/drawing/2014/main" id="{227081C9-BF32-4D29-998F-C0A8E8FD9940}"/>
+                  <a16:creationId xmlns:a16="http://schemas.microsoft.com/office/drawing/2014/main" xmlns="" id="{227081C9-BF32-4D29-998F-C0A8E8FD9940}"/>
                 </a:ext>
               </a:extLst>
             </p:cNvPr>
@@ -17318,7 +17335,7 @@
             <p:cNvPr id="66" name="TextBox 65">
               <a:extLst>
                 <a:ext uri="{FF2B5EF4-FFF2-40B4-BE49-F238E27FC236}">
-                  <a16:creationId xmlns:a16="http://schemas.microsoft.com/office/drawing/2014/main" id="{7E4A8A58-38E6-48F7-8B31-85B184F8164E}"/>
+                  <a16:creationId xmlns:a16="http://schemas.microsoft.com/office/drawing/2014/main" xmlns="" id="{7E4A8A58-38E6-48F7-8B31-85B184F8164E}"/>
                 </a:ext>
               </a:extLst>
             </p:cNvPr>
@@ -17353,7 +17370,7 @@
             <p:cNvPr id="67" name="TextBox 66">
               <a:extLst>
                 <a:ext uri="{FF2B5EF4-FFF2-40B4-BE49-F238E27FC236}">
-                  <a16:creationId xmlns:a16="http://schemas.microsoft.com/office/drawing/2014/main" id="{3385E7F8-8875-4DA4-AD16-315DB9807D94}"/>
+                  <a16:creationId xmlns:a16="http://schemas.microsoft.com/office/drawing/2014/main" xmlns="" id="{3385E7F8-8875-4DA4-AD16-315DB9807D94}"/>
                 </a:ext>
               </a:extLst>
             </p:cNvPr>
@@ -17388,7 +17405,7 @@
             <p:cNvPr id="68" name="TextBox 67">
               <a:extLst>
                 <a:ext uri="{FF2B5EF4-FFF2-40B4-BE49-F238E27FC236}">
-                  <a16:creationId xmlns:a16="http://schemas.microsoft.com/office/drawing/2014/main" id="{4EFF4641-5700-4734-B2DA-46791F636ADD}"/>
+                  <a16:creationId xmlns:a16="http://schemas.microsoft.com/office/drawing/2014/main" xmlns="" id="{4EFF4641-5700-4734-B2DA-46791F636ADD}"/>
                 </a:ext>
               </a:extLst>
             </p:cNvPr>
@@ -17423,7 +17440,7 @@
             <p:cNvPr id="69" name="TextBox 68">
               <a:extLst>
                 <a:ext uri="{FF2B5EF4-FFF2-40B4-BE49-F238E27FC236}">
-                  <a16:creationId xmlns:a16="http://schemas.microsoft.com/office/drawing/2014/main" id="{698A1F51-5425-4C1C-B92D-46CD230D24DB}"/>
+                  <a16:creationId xmlns:a16="http://schemas.microsoft.com/office/drawing/2014/main" xmlns="" id="{698A1F51-5425-4C1C-B92D-46CD230D24DB}"/>
                 </a:ext>
               </a:extLst>
             </p:cNvPr>
@@ -17458,7 +17475,7 @@
             <p:cNvPr id="70" name="TextBox 69">
               <a:extLst>
                 <a:ext uri="{FF2B5EF4-FFF2-40B4-BE49-F238E27FC236}">
-                  <a16:creationId xmlns:a16="http://schemas.microsoft.com/office/drawing/2014/main" id="{0FB8B6DF-B3E7-454A-B394-3204ED5E24A1}"/>
+                  <a16:creationId xmlns:a16="http://schemas.microsoft.com/office/drawing/2014/main" xmlns="" id="{0FB8B6DF-B3E7-454A-B394-3204ED5E24A1}"/>
                 </a:ext>
               </a:extLst>
             </p:cNvPr>
@@ -17494,7 +17511,7 @@
           <p:cNvPr id="71" name="직사각형 70">
             <a:extLst>
               <a:ext uri="{FF2B5EF4-FFF2-40B4-BE49-F238E27FC236}">
-                <a16:creationId xmlns:a16="http://schemas.microsoft.com/office/drawing/2014/main" id="{5D91F919-4EC8-43E0-8074-339E7777AE2C}"/>
+                <a16:creationId xmlns:a16="http://schemas.microsoft.com/office/drawing/2014/main" xmlns="" id="{5D91F919-4EC8-43E0-8074-339E7777AE2C}"/>
               </a:ext>
             </a:extLst>
           </p:cNvPr>
@@ -17547,7 +17564,7 @@
           <p:cNvPr id="72" name="TextBox 71">
             <a:extLst>
               <a:ext uri="{FF2B5EF4-FFF2-40B4-BE49-F238E27FC236}">
-                <a16:creationId xmlns:a16="http://schemas.microsoft.com/office/drawing/2014/main" id="{8C610014-27E4-417D-B925-009DE4FAA887}"/>
+                <a16:creationId xmlns:a16="http://schemas.microsoft.com/office/drawing/2014/main" xmlns="" id="{8C610014-27E4-417D-B925-009DE4FAA887}"/>
               </a:ext>
             </a:extLst>
           </p:cNvPr>
@@ -17636,7 +17653,7 @@
           <p:cNvPr id="41" name="직사각형 40">
             <a:extLst>
               <a:ext uri="{FF2B5EF4-FFF2-40B4-BE49-F238E27FC236}">
-                <a16:creationId xmlns:a16="http://schemas.microsoft.com/office/drawing/2014/main" id="{608F1B44-8CA8-476C-8BDB-8A912B65F26E}"/>
+                <a16:creationId xmlns:a16="http://schemas.microsoft.com/office/drawing/2014/main" xmlns="" id="{608F1B44-8CA8-476C-8BDB-8A912B65F26E}"/>
               </a:ext>
             </a:extLst>
           </p:cNvPr>
@@ -17682,7 +17699,7 @@
           <p:cNvPr id="43" name="연결선: 꺾임 42">
             <a:extLst>
               <a:ext uri="{FF2B5EF4-FFF2-40B4-BE49-F238E27FC236}">
-                <a16:creationId xmlns:a16="http://schemas.microsoft.com/office/drawing/2014/main" id="{B3912ECD-F364-40FA-B4AA-B1844E5CB4FB}"/>
+                <a16:creationId xmlns:a16="http://schemas.microsoft.com/office/drawing/2014/main" xmlns="" id="{B3912ECD-F364-40FA-B4AA-B1844E5CB4FB}"/>
               </a:ext>
             </a:extLst>
           </p:cNvPr>
@@ -17727,7 +17744,7 @@
           <p:cNvPr id="73" name="TextBox 72">
             <a:extLst>
               <a:ext uri="{FF2B5EF4-FFF2-40B4-BE49-F238E27FC236}">
-                <a16:creationId xmlns:a16="http://schemas.microsoft.com/office/drawing/2014/main" id="{D862B07F-8CDA-43CA-A5D3-949985E8FB38}"/>
+                <a16:creationId xmlns:a16="http://schemas.microsoft.com/office/drawing/2014/main" xmlns="" id="{D862B07F-8CDA-43CA-A5D3-949985E8FB38}"/>
               </a:ext>
             </a:extLst>
           </p:cNvPr>
@@ -17847,7 +17864,7 @@
           <p:cNvPr id="76" name="직선 화살표 연결선 75">
             <a:extLst>
               <a:ext uri="{FF2B5EF4-FFF2-40B4-BE49-F238E27FC236}">
-                <a16:creationId xmlns:a16="http://schemas.microsoft.com/office/drawing/2014/main" id="{682253E9-F6F2-4138-804B-7D73804BA83E}"/>
+                <a16:creationId xmlns:a16="http://schemas.microsoft.com/office/drawing/2014/main" xmlns="" id="{682253E9-F6F2-4138-804B-7D73804BA83E}"/>
               </a:ext>
             </a:extLst>
           </p:cNvPr>
@@ -17896,7 +17913,7 @@
           <p:cNvPr id="37" name="직선 연결선 36">
             <a:extLst>
               <a:ext uri="{FF2B5EF4-FFF2-40B4-BE49-F238E27FC236}">
-                <a16:creationId xmlns:a16="http://schemas.microsoft.com/office/drawing/2014/main" id="{A5E3B682-3EDB-4242-BB43-4A5C7CCB4224}"/>
+                <a16:creationId xmlns:a16="http://schemas.microsoft.com/office/drawing/2014/main" xmlns="" id="{A5E3B682-3EDB-4242-BB43-4A5C7CCB4224}"/>
               </a:ext>
             </a:extLst>
           </p:cNvPr>
@@ -17933,7 +17950,7 @@
           <p:cNvPr id="75" name="직선 연결선 74">
             <a:extLst>
               <a:ext uri="{FF2B5EF4-FFF2-40B4-BE49-F238E27FC236}">
-                <a16:creationId xmlns:a16="http://schemas.microsoft.com/office/drawing/2014/main" id="{0E74789E-0D8D-4672-A43D-6E8F46A25777}"/>
+                <a16:creationId xmlns:a16="http://schemas.microsoft.com/office/drawing/2014/main" xmlns="" id="{0E74789E-0D8D-4672-A43D-6E8F46A25777}"/>
               </a:ext>
             </a:extLst>
           </p:cNvPr>
@@ -17970,7 +17987,7 @@
           <p:cNvPr id="42" name="직선 화살표 연결선 41">
             <a:extLst>
               <a:ext uri="{FF2B5EF4-FFF2-40B4-BE49-F238E27FC236}">
-                <a16:creationId xmlns:a16="http://schemas.microsoft.com/office/drawing/2014/main" id="{C64AA017-D470-416D-8531-AACC767AB8EE}"/>
+                <a16:creationId xmlns:a16="http://schemas.microsoft.com/office/drawing/2014/main" xmlns="" id="{C64AA017-D470-416D-8531-AACC767AB8EE}"/>
               </a:ext>
             </a:extLst>
           </p:cNvPr>
@@ -18009,7 +18026,7 @@
           <p:cNvPr id="47" name="TextBox 46">
             <a:extLst>
               <a:ext uri="{FF2B5EF4-FFF2-40B4-BE49-F238E27FC236}">
-                <a16:creationId xmlns:a16="http://schemas.microsoft.com/office/drawing/2014/main" id="{811AD7B0-B5AE-42BD-987F-E3A74CB3FFA6}"/>
+                <a16:creationId xmlns:a16="http://schemas.microsoft.com/office/drawing/2014/main" xmlns="" id="{811AD7B0-B5AE-42BD-987F-E3A74CB3FFA6}"/>
               </a:ext>
             </a:extLst>
           </p:cNvPr>
@@ -18312,7 +18329,7 @@
   <a:extraClrSchemeLst/>
   <a:extLst>
     <a:ext uri="{05A4C25C-085E-4340-85A3-A5531E510DB2}">
-      <thm15:themeFamily xmlns:thm15="http://schemas.microsoft.com/office/thememl/2012/main" name="Office_9411771_TF02901026_TF02901026.potx" id="{2203E5E0-3982-4970-BA82-A58D8043B518}" vid="{3C2F52B7-6A4C-491E-8D8F-92BEBBC3C2D9}"/>
+      <thm15:themeFamily xmlns:thm15="http://schemas.microsoft.com/office/thememl/2012/main" xmlns="" name="Office_9411771_TF02901026_TF02901026.potx" id="{2203E5E0-3982-4970-BA82-A58D8043B518}" vid="{3C2F52B7-6A4C-491E-8D8F-92BEBBC3C2D9}"/>
     </a:ext>
   </a:extLst>
 </a:theme>
@@ -18573,7 +18590,7 @@
   <a:extraClrSchemeLst/>
   <a:extLst>
     <a:ext uri="{05A4C25C-085E-4340-85A3-A5531E510DB2}">
-      <thm15:themeFamily xmlns:thm15="http://schemas.microsoft.com/office/thememl/2012/main" name="Office Theme" id="{62F939B6-93AF-4DB8-9C6B-D6C7DFDC589F}" vid="{4A3C46E8-61CC-4603-A589-7422A47A8E4A}"/>
+      <thm15:themeFamily xmlns:thm15="http://schemas.microsoft.com/office/thememl/2012/main" xmlns="" name="Office Theme" id="{62F939B6-93AF-4DB8-9C6B-D6C7DFDC589F}" vid="{4A3C46E8-61CC-4603-A589-7422A47A8E4A}"/>
     </a:ext>
   </a:extLst>
 </a:theme>
@@ -18834,148 +18851,13 @@
   <a:extraClrSchemeLst/>
   <a:extLst>
     <a:ext uri="{05A4C25C-085E-4340-85A3-A5531E510DB2}">
-      <thm15:themeFamily xmlns:thm15="http://schemas.microsoft.com/office/thememl/2012/main" name="Office Theme" id="{62F939B6-93AF-4DB8-9C6B-D6C7DFDC589F}" vid="{4A3C46E8-61CC-4603-A589-7422A47A8E4A}"/>
+      <thm15:themeFamily xmlns:thm15="http://schemas.microsoft.com/office/thememl/2012/main" xmlns="" name="Office Theme" id="{62F939B6-93AF-4DB8-9C6B-D6C7DFDC589F}" vid="{4A3C46E8-61CC-4603-A589-7422A47A8E4A}"/>
     </a:ext>
   </a:extLst>
 </a:theme>
 </file>
 
 <file path=customXml/item1.xml><?xml version="1.0" encoding="utf-8"?>
-<?mso-contentType ?>
-<FormTemplates xmlns="http://schemas.microsoft.com/sharepoint/v3/contenttype/forms">
-  <Display>DocumentLibraryForm</Display>
-  <Edit>AssetEditForm</Edit>
-  <New>DocumentLibraryForm</New>
-</FormTemplates>
-</file>
-
-<file path=customXml/item2.xml><?xml version="1.0" encoding="utf-8"?>
-<p:properties xmlns:p="http://schemas.microsoft.com/office/2006/metadata/properties" xmlns:xsi="http://www.w3.org/2001/XMLSchema-instance" xmlns:pc="http://schemas.microsoft.com/office/infopath/2007/PartnerControls">
-  <documentManagement>
-    <DirectSourceMarket xmlns="4873beb7-5857-4685-be1f-d57550cc96cc" xsi:nil="true"/>
-    <ApprovalStatus xmlns="4873beb7-5857-4685-be1f-d57550cc96cc">InProgress</ApprovalStatus>
-    <MarketSpecific xmlns="4873beb7-5857-4685-be1f-d57550cc96cc">false</MarketSpecific>
-    <LocComments xmlns="4873beb7-5857-4685-be1f-d57550cc96cc" xsi:nil="true"/>
-    <ThumbnailAssetId xmlns="4873beb7-5857-4685-be1f-d57550cc96cc" xsi:nil="true"/>
-    <PrimaryImageGen xmlns="4873beb7-5857-4685-be1f-d57550cc96cc">true</PrimaryImageGen>
-    <LegacyData xmlns="4873beb7-5857-4685-be1f-d57550cc96cc" xsi:nil="true"/>
-    <LocRecommendedHandoff xmlns="4873beb7-5857-4685-be1f-d57550cc96cc" xsi:nil="true"/>
-    <BusinessGroup xmlns="4873beb7-5857-4685-be1f-d57550cc96cc" xsi:nil="true"/>
-    <BlockPublish xmlns="4873beb7-5857-4685-be1f-d57550cc96cc">false</BlockPublish>
-    <TPFriendlyName xmlns="4873beb7-5857-4685-be1f-d57550cc96cc" xsi:nil="true"/>
-    <NumericId xmlns="4873beb7-5857-4685-be1f-d57550cc96cc" xsi:nil="true"/>
-    <APEditor xmlns="4873beb7-5857-4685-be1f-d57550cc96cc">
-      <UserInfo>
-        <DisplayName/>
-        <AccountId xsi:nil="true"/>
-        <AccountType/>
-      </UserInfo>
-    </APEditor>
-    <SourceTitle xmlns="4873beb7-5857-4685-be1f-d57550cc96cc" xsi:nil="true"/>
-    <OpenTemplate xmlns="4873beb7-5857-4685-be1f-d57550cc96cc">true</OpenTemplate>
-    <UALocComments xmlns="4873beb7-5857-4685-be1f-d57550cc96cc" xsi:nil="true"/>
-    <ParentAssetId xmlns="4873beb7-5857-4685-be1f-d57550cc96cc" xsi:nil="true"/>
-    <IntlLangReviewDate xmlns="4873beb7-5857-4685-be1f-d57550cc96cc" xsi:nil="true"/>
-    <FeatureTagsTaxHTField0 xmlns="4873beb7-5857-4685-be1f-d57550cc96cc">
-      <Terms xmlns="http://schemas.microsoft.com/office/infopath/2007/PartnerControls"/>
-    </FeatureTagsTaxHTField0>
-    <PublishStatusLookup xmlns="4873beb7-5857-4685-be1f-d57550cc96cc">
-      <Value>1566889</Value>
-    </PublishStatusLookup>
-    <Providers xmlns="4873beb7-5857-4685-be1f-d57550cc96cc" xsi:nil="true"/>
-    <MachineTranslated xmlns="4873beb7-5857-4685-be1f-d57550cc96cc">false</MachineTranslated>
-    <OriginalSourceMarket xmlns="4873beb7-5857-4685-be1f-d57550cc96cc" xsi:nil="true"/>
-    <APDescription xmlns="4873beb7-5857-4685-be1f-d57550cc96cc" xsi:nil="true"/>
-    <ClipArtFilename xmlns="4873beb7-5857-4685-be1f-d57550cc96cc" xsi:nil="true"/>
-    <ContentItem xmlns="4873beb7-5857-4685-be1f-d57550cc96cc" xsi:nil="true"/>
-    <TPInstallLocation xmlns="4873beb7-5857-4685-be1f-d57550cc96cc" xsi:nil="true"/>
-    <PublishTargets xmlns="4873beb7-5857-4685-be1f-d57550cc96cc">OfficeOnlineVNext</PublishTargets>
-    <TimesCloned xmlns="4873beb7-5857-4685-be1f-d57550cc96cc" xsi:nil="true"/>
-    <AssetStart xmlns="4873beb7-5857-4685-be1f-d57550cc96cc">2012-05-23T08:44:00+00:00</AssetStart>
-    <Provider xmlns="4873beb7-5857-4685-be1f-d57550cc96cc" xsi:nil="true"/>
-    <AcquiredFrom xmlns="4873beb7-5857-4685-be1f-d57550cc96cc">Internal MS</AcquiredFrom>
-    <FriendlyTitle xmlns="4873beb7-5857-4685-be1f-d57550cc96cc" xsi:nil="true"/>
-    <LastHandOff xmlns="4873beb7-5857-4685-be1f-d57550cc96cc" xsi:nil="true"/>
-    <TPClientViewer xmlns="4873beb7-5857-4685-be1f-d57550cc96cc" xsi:nil="true"/>
-    <UACurrentWords xmlns="4873beb7-5857-4685-be1f-d57550cc96cc" xsi:nil="true"/>
-    <ArtSampleDocs xmlns="4873beb7-5857-4685-be1f-d57550cc96cc" xsi:nil="true"/>
-    <UALocRecommendation xmlns="4873beb7-5857-4685-be1f-d57550cc96cc">Localize</UALocRecommendation>
-    <Manager xmlns="4873beb7-5857-4685-be1f-d57550cc96cc" xsi:nil="true"/>
-    <ShowIn xmlns="4873beb7-5857-4685-be1f-d57550cc96cc">Show everywhere</ShowIn>
-    <UANotes xmlns="4873beb7-5857-4685-be1f-d57550cc96cc" xsi:nil="true"/>
-    <TemplateStatus xmlns="4873beb7-5857-4685-be1f-d57550cc96cc">Complete</TemplateStatus>
-    <InternalTagsTaxHTField0 xmlns="4873beb7-5857-4685-be1f-d57550cc96cc">
-      <Terms xmlns="http://schemas.microsoft.com/office/infopath/2007/PartnerControls"/>
-    </InternalTagsTaxHTField0>
-    <CSXHash xmlns="4873beb7-5857-4685-be1f-d57550cc96cc" xsi:nil="true"/>
-    <Downloads xmlns="4873beb7-5857-4685-be1f-d57550cc96cc">0</Downloads>
-    <VoteCount xmlns="4873beb7-5857-4685-be1f-d57550cc96cc" xsi:nil="true"/>
-    <OOCacheId xmlns="4873beb7-5857-4685-be1f-d57550cc96cc" xsi:nil="true"/>
-    <IsDeleted xmlns="4873beb7-5857-4685-be1f-d57550cc96cc">false</IsDeleted>
-    <AssetExpire xmlns="4873beb7-5857-4685-be1f-d57550cc96cc">2029-01-01T08:00:00+00:00</AssetExpire>
-    <DSATActionTaken xmlns="4873beb7-5857-4685-be1f-d57550cc96cc" xsi:nil="true"/>
-    <CSXSubmissionMarket xmlns="4873beb7-5857-4685-be1f-d57550cc96cc" xsi:nil="true"/>
-    <TPExecutable xmlns="4873beb7-5857-4685-be1f-d57550cc96cc" xsi:nil="true"/>
-    <SubmitterId xmlns="4873beb7-5857-4685-be1f-d57550cc96cc" xsi:nil="true"/>
-    <EditorialTags xmlns="4873beb7-5857-4685-be1f-d57550cc96cc" xsi:nil="true"/>
-    <ApprovalLog xmlns="4873beb7-5857-4685-be1f-d57550cc96cc" xsi:nil="true"/>
-    <AssetType xmlns="4873beb7-5857-4685-be1f-d57550cc96cc">TP</AssetType>
-    <BugNumber xmlns="4873beb7-5857-4685-be1f-d57550cc96cc" xsi:nil="true"/>
-    <CSXSubmissionDate xmlns="4873beb7-5857-4685-be1f-d57550cc96cc" xsi:nil="true"/>
-    <CSXUpdate xmlns="4873beb7-5857-4685-be1f-d57550cc96cc">false</CSXUpdate>
-    <Milestone xmlns="4873beb7-5857-4685-be1f-d57550cc96cc" xsi:nil="true"/>
-    <RecommendationsModifier xmlns="4873beb7-5857-4685-be1f-d57550cc96cc" xsi:nil="true"/>
-    <OriginAsset xmlns="4873beb7-5857-4685-be1f-d57550cc96cc" xsi:nil="true"/>
-    <TPComponent xmlns="4873beb7-5857-4685-be1f-d57550cc96cc" xsi:nil="true"/>
-    <AssetId xmlns="4873beb7-5857-4685-be1f-d57550cc96cc">TP102901017</AssetId>
-    <IntlLocPriority xmlns="4873beb7-5857-4685-be1f-d57550cc96cc" xsi:nil="true"/>
-    <PolicheckWords xmlns="4873beb7-5857-4685-be1f-d57550cc96cc" xsi:nil="true"/>
-    <TPLaunchHelpLink xmlns="4873beb7-5857-4685-be1f-d57550cc96cc" xsi:nil="true"/>
-    <TPApplication xmlns="4873beb7-5857-4685-be1f-d57550cc96cc" xsi:nil="true"/>
-    <CrawlForDependencies xmlns="4873beb7-5857-4685-be1f-d57550cc96cc">false</CrawlForDependencies>
-    <HandoffToMSDN xmlns="4873beb7-5857-4685-be1f-d57550cc96cc" xsi:nil="true"/>
-    <PlannedPubDate xmlns="4873beb7-5857-4685-be1f-d57550cc96cc" xsi:nil="true"/>
-    <IntlLangReviewer xmlns="4873beb7-5857-4685-be1f-d57550cc96cc" xsi:nil="true"/>
-    <TrustLevel xmlns="4873beb7-5857-4685-be1f-d57550cc96cc">1 Microsoft Managed Content</TrustLevel>
-    <LocLastLocAttemptVersionLookup xmlns="4873beb7-5857-4685-be1f-d57550cc96cc">836753</LocLastLocAttemptVersionLookup>
-    <IsSearchable xmlns="4873beb7-5857-4685-be1f-d57550cc96cc">true</IsSearchable>
-    <TemplateTemplateType xmlns="4873beb7-5857-4685-be1f-d57550cc96cc">PowerPoint Design Template</TemplateTemplateType>
-    <CampaignTagsTaxHTField0 xmlns="4873beb7-5857-4685-be1f-d57550cc96cc">
-      <Terms xmlns="http://schemas.microsoft.com/office/infopath/2007/PartnerControls"/>
-    </CampaignTagsTaxHTField0>
-    <TPNamespace xmlns="4873beb7-5857-4685-be1f-d57550cc96cc" xsi:nil="true"/>
-    <TaxCatchAll xmlns="4873beb7-5857-4685-be1f-d57550cc96cc"/>
-    <Markets xmlns="4873beb7-5857-4685-be1f-d57550cc96cc"/>
-    <UAProjectedTotalWords xmlns="4873beb7-5857-4685-be1f-d57550cc96cc" xsi:nil="true"/>
-    <IntlLangReview xmlns="4873beb7-5857-4685-be1f-d57550cc96cc">false</IntlLangReview>
-    <OutputCachingOn xmlns="4873beb7-5857-4685-be1f-d57550cc96cc">false</OutputCachingOn>
-    <AverageRating xmlns="4873beb7-5857-4685-be1f-d57550cc96cc" xsi:nil="true"/>
-    <APAuthor xmlns="4873beb7-5857-4685-be1f-d57550cc96cc">
-      <UserInfo>
-        <DisplayName>REDMOND\v-anij</DisplayName>
-        <AccountId>2469</AccountId>
-        <AccountType/>
-      </UserInfo>
-    </APAuthor>
-    <LocManualTestRequired xmlns="4873beb7-5857-4685-be1f-d57550cc96cc">false</LocManualTestRequired>
-    <TPCommandLine xmlns="4873beb7-5857-4685-be1f-d57550cc96cc" xsi:nil="true"/>
-    <TPAppVersion xmlns="4873beb7-5857-4685-be1f-d57550cc96cc" xsi:nil="true"/>
-    <EditorialStatus xmlns="4873beb7-5857-4685-be1f-d57550cc96cc">Complete</EditorialStatus>
-    <LastModifiedDateTime xmlns="4873beb7-5857-4685-be1f-d57550cc96cc" xsi:nil="true"/>
-    <ScenarioTagsTaxHTField0 xmlns="4873beb7-5857-4685-be1f-d57550cc96cc">
-      <Terms xmlns="http://schemas.microsoft.com/office/infopath/2007/PartnerControls"/>
-    </ScenarioTagsTaxHTField0>
-    <OriginalRelease xmlns="4873beb7-5857-4685-be1f-d57550cc96cc">15</OriginalRelease>
-    <TPLaunchHelpLinkType xmlns="4873beb7-5857-4685-be1f-d57550cc96cc">Template</TPLaunchHelpLinkType>
-    <LocalizationTagsTaxHTField0 xmlns="4873beb7-5857-4685-be1f-d57550cc96cc">
-      <Terms xmlns="http://schemas.microsoft.com/office/infopath/2007/PartnerControls"/>
-    </LocalizationTagsTaxHTField0>
-    <LocMarketGroupTiers2 xmlns="4873beb7-5857-4685-be1f-d57550cc96cc" xsi:nil="true"/>
-  </documentManagement>
-</p:properties>
-</file>
-
-<file path=customXml/item3.xml><?xml version="1.0" encoding="utf-8"?>
 <ct:contentTypeSchema xmlns:ct="http://schemas.microsoft.com/office/2006/metadata/contentType" xmlns:ma="http://schemas.microsoft.com/office/2006/metadata/properties/metaAttributes" ct:_="" ma:_="" ma:contentTypeName="TemplateFile" ma:contentTypeID="0x0101006EDDDB5EE6D98C44930B742096920B300400F5B6D36B3EF94B4E9A635CDF2A18F5B8" ma:contentTypeVersion="72" ma:contentTypeDescription="Create a new document." ma:contentTypeScope="" ma:versionID="a23e56308344d904b51738559c3d67c9">
   <xsd:schema xmlns:xsd="http://www.w3.org/2001/XMLSchema" xmlns:xs="http://www.w3.org/2001/XMLSchema" xmlns:p="http://schemas.microsoft.com/office/2006/metadata/properties" xmlns:ns2="4873beb7-5857-4685-be1f-d57550cc96cc" targetNamespace="http://schemas.microsoft.com/office/2006/metadata/properties" ma:root="true" ma:fieldsID="cd0908cc4600e77bf5da051303e00c8d" ns2:_="">
     <xsd:import namespace="4873beb7-5857-4685-be1f-d57550cc96cc"/>
@@ -20015,31 +19897,142 @@
 </ct:contentTypeSchema>
 </file>
 
-<file path=customXml/itemProps1.xml><?xml version="1.0" encoding="utf-8"?>
-<ds:datastoreItem xmlns:ds="http://schemas.openxmlformats.org/officeDocument/2006/customXml" ds:itemID="{746CFF6F-D9AA-4BC0-911A-0A1356771912}">
-  <ds:schemaRefs>
-    <ds:schemaRef ds:uri="http://schemas.microsoft.com/sharepoint/v3/contenttype/forms"/>
-  </ds:schemaRefs>
-</ds:datastoreItem>
+<file path=customXml/item2.xml><?xml version="1.0" encoding="utf-8"?>
+<p:properties xmlns:p="http://schemas.microsoft.com/office/2006/metadata/properties" xmlns:xsi="http://www.w3.org/2001/XMLSchema-instance" xmlns:pc="http://schemas.microsoft.com/office/infopath/2007/PartnerControls">
+  <documentManagement>
+    <DirectSourceMarket xmlns="4873beb7-5857-4685-be1f-d57550cc96cc" xsi:nil="true"/>
+    <ApprovalStatus xmlns="4873beb7-5857-4685-be1f-d57550cc96cc">InProgress</ApprovalStatus>
+    <MarketSpecific xmlns="4873beb7-5857-4685-be1f-d57550cc96cc">false</MarketSpecific>
+    <LocComments xmlns="4873beb7-5857-4685-be1f-d57550cc96cc" xsi:nil="true"/>
+    <ThumbnailAssetId xmlns="4873beb7-5857-4685-be1f-d57550cc96cc" xsi:nil="true"/>
+    <PrimaryImageGen xmlns="4873beb7-5857-4685-be1f-d57550cc96cc">true</PrimaryImageGen>
+    <LegacyData xmlns="4873beb7-5857-4685-be1f-d57550cc96cc" xsi:nil="true"/>
+    <LocRecommendedHandoff xmlns="4873beb7-5857-4685-be1f-d57550cc96cc" xsi:nil="true"/>
+    <BusinessGroup xmlns="4873beb7-5857-4685-be1f-d57550cc96cc" xsi:nil="true"/>
+    <BlockPublish xmlns="4873beb7-5857-4685-be1f-d57550cc96cc">false</BlockPublish>
+    <TPFriendlyName xmlns="4873beb7-5857-4685-be1f-d57550cc96cc" xsi:nil="true"/>
+    <NumericId xmlns="4873beb7-5857-4685-be1f-d57550cc96cc" xsi:nil="true"/>
+    <APEditor xmlns="4873beb7-5857-4685-be1f-d57550cc96cc">
+      <UserInfo>
+        <DisplayName/>
+        <AccountId xsi:nil="true"/>
+        <AccountType/>
+      </UserInfo>
+    </APEditor>
+    <SourceTitle xmlns="4873beb7-5857-4685-be1f-d57550cc96cc" xsi:nil="true"/>
+    <OpenTemplate xmlns="4873beb7-5857-4685-be1f-d57550cc96cc">true</OpenTemplate>
+    <UALocComments xmlns="4873beb7-5857-4685-be1f-d57550cc96cc" xsi:nil="true"/>
+    <ParentAssetId xmlns="4873beb7-5857-4685-be1f-d57550cc96cc" xsi:nil="true"/>
+    <IntlLangReviewDate xmlns="4873beb7-5857-4685-be1f-d57550cc96cc" xsi:nil="true"/>
+    <FeatureTagsTaxHTField0 xmlns="4873beb7-5857-4685-be1f-d57550cc96cc">
+      <Terms xmlns="http://schemas.microsoft.com/office/infopath/2007/PartnerControls"/>
+    </FeatureTagsTaxHTField0>
+    <PublishStatusLookup xmlns="4873beb7-5857-4685-be1f-d57550cc96cc">
+      <Value>1566889</Value>
+    </PublishStatusLookup>
+    <Providers xmlns="4873beb7-5857-4685-be1f-d57550cc96cc" xsi:nil="true"/>
+    <MachineTranslated xmlns="4873beb7-5857-4685-be1f-d57550cc96cc">false</MachineTranslated>
+    <OriginalSourceMarket xmlns="4873beb7-5857-4685-be1f-d57550cc96cc" xsi:nil="true"/>
+    <APDescription xmlns="4873beb7-5857-4685-be1f-d57550cc96cc" xsi:nil="true"/>
+    <ClipArtFilename xmlns="4873beb7-5857-4685-be1f-d57550cc96cc" xsi:nil="true"/>
+    <ContentItem xmlns="4873beb7-5857-4685-be1f-d57550cc96cc" xsi:nil="true"/>
+    <TPInstallLocation xmlns="4873beb7-5857-4685-be1f-d57550cc96cc" xsi:nil="true"/>
+    <PublishTargets xmlns="4873beb7-5857-4685-be1f-d57550cc96cc">OfficeOnlineVNext</PublishTargets>
+    <TimesCloned xmlns="4873beb7-5857-4685-be1f-d57550cc96cc" xsi:nil="true"/>
+    <AssetStart xmlns="4873beb7-5857-4685-be1f-d57550cc96cc">2012-05-23T08:44:00+00:00</AssetStart>
+    <Provider xmlns="4873beb7-5857-4685-be1f-d57550cc96cc" xsi:nil="true"/>
+    <AcquiredFrom xmlns="4873beb7-5857-4685-be1f-d57550cc96cc">Internal MS</AcquiredFrom>
+    <FriendlyTitle xmlns="4873beb7-5857-4685-be1f-d57550cc96cc" xsi:nil="true"/>
+    <LastHandOff xmlns="4873beb7-5857-4685-be1f-d57550cc96cc" xsi:nil="true"/>
+    <TPClientViewer xmlns="4873beb7-5857-4685-be1f-d57550cc96cc" xsi:nil="true"/>
+    <UACurrentWords xmlns="4873beb7-5857-4685-be1f-d57550cc96cc" xsi:nil="true"/>
+    <ArtSampleDocs xmlns="4873beb7-5857-4685-be1f-d57550cc96cc" xsi:nil="true"/>
+    <UALocRecommendation xmlns="4873beb7-5857-4685-be1f-d57550cc96cc">Localize</UALocRecommendation>
+    <Manager xmlns="4873beb7-5857-4685-be1f-d57550cc96cc" xsi:nil="true"/>
+    <ShowIn xmlns="4873beb7-5857-4685-be1f-d57550cc96cc">Show everywhere</ShowIn>
+    <UANotes xmlns="4873beb7-5857-4685-be1f-d57550cc96cc" xsi:nil="true"/>
+    <TemplateStatus xmlns="4873beb7-5857-4685-be1f-d57550cc96cc">Complete</TemplateStatus>
+    <InternalTagsTaxHTField0 xmlns="4873beb7-5857-4685-be1f-d57550cc96cc">
+      <Terms xmlns="http://schemas.microsoft.com/office/infopath/2007/PartnerControls"/>
+    </InternalTagsTaxHTField0>
+    <CSXHash xmlns="4873beb7-5857-4685-be1f-d57550cc96cc" xsi:nil="true"/>
+    <Downloads xmlns="4873beb7-5857-4685-be1f-d57550cc96cc">0</Downloads>
+    <VoteCount xmlns="4873beb7-5857-4685-be1f-d57550cc96cc" xsi:nil="true"/>
+    <OOCacheId xmlns="4873beb7-5857-4685-be1f-d57550cc96cc" xsi:nil="true"/>
+    <IsDeleted xmlns="4873beb7-5857-4685-be1f-d57550cc96cc">false</IsDeleted>
+    <AssetExpire xmlns="4873beb7-5857-4685-be1f-d57550cc96cc">2029-01-01T08:00:00+00:00</AssetExpire>
+    <DSATActionTaken xmlns="4873beb7-5857-4685-be1f-d57550cc96cc" xsi:nil="true"/>
+    <CSXSubmissionMarket xmlns="4873beb7-5857-4685-be1f-d57550cc96cc" xsi:nil="true"/>
+    <TPExecutable xmlns="4873beb7-5857-4685-be1f-d57550cc96cc" xsi:nil="true"/>
+    <SubmitterId xmlns="4873beb7-5857-4685-be1f-d57550cc96cc" xsi:nil="true"/>
+    <EditorialTags xmlns="4873beb7-5857-4685-be1f-d57550cc96cc" xsi:nil="true"/>
+    <ApprovalLog xmlns="4873beb7-5857-4685-be1f-d57550cc96cc" xsi:nil="true"/>
+    <AssetType xmlns="4873beb7-5857-4685-be1f-d57550cc96cc">TP</AssetType>
+    <BugNumber xmlns="4873beb7-5857-4685-be1f-d57550cc96cc" xsi:nil="true"/>
+    <CSXSubmissionDate xmlns="4873beb7-5857-4685-be1f-d57550cc96cc" xsi:nil="true"/>
+    <CSXUpdate xmlns="4873beb7-5857-4685-be1f-d57550cc96cc">false</CSXUpdate>
+    <Milestone xmlns="4873beb7-5857-4685-be1f-d57550cc96cc" xsi:nil="true"/>
+    <RecommendationsModifier xmlns="4873beb7-5857-4685-be1f-d57550cc96cc" xsi:nil="true"/>
+    <OriginAsset xmlns="4873beb7-5857-4685-be1f-d57550cc96cc" xsi:nil="true"/>
+    <TPComponent xmlns="4873beb7-5857-4685-be1f-d57550cc96cc" xsi:nil="true"/>
+    <AssetId xmlns="4873beb7-5857-4685-be1f-d57550cc96cc">TP102901017</AssetId>
+    <IntlLocPriority xmlns="4873beb7-5857-4685-be1f-d57550cc96cc" xsi:nil="true"/>
+    <PolicheckWords xmlns="4873beb7-5857-4685-be1f-d57550cc96cc" xsi:nil="true"/>
+    <TPLaunchHelpLink xmlns="4873beb7-5857-4685-be1f-d57550cc96cc" xsi:nil="true"/>
+    <TPApplication xmlns="4873beb7-5857-4685-be1f-d57550cc96cc" xsi:nil="true"/>
+    <CrawlForDependencies xmlns="4873beb7-5857-4685-be1f-d57550cc96cc">false</CrawlForDependencies>
+    <HandoffToMSDN xmlns="4873beb7-5857-4685-be1f-d57550cc96cc" xsi:nil="true"/>
+    <PlannedPubDate xmlns="4873beb7-5857-4685-be1f-d57550cc96cc" xsi:nil="true"/>
+    <IntlLangReviewer xmlns="4873beb7-5857-4685-be1f-d57550cc96cc" xsi:nil="true"/>
+    <TrustLevel xmlns="4873beb7-5857-4685-be1f-d57550cc96cc">1 Microsoft Managed Content</TrustLevel>
+    <LocLastLocAttemptVersionLookup xmlns="4873beb7-5857-4685-be1f-d57550cc96cc">836753</LocLastLocAttemptVersionLookup>
+    <IsSearchable xmlns="4873beb7-5857-4685-be1f-d57550cc96cc">true</IsSearchable>
+    <TemplateTemplateType xmlns="4873beb7-5857-4685-be1f-d57550cc96cc">PowerPoint Design Template</TemplateTemplateType>
+    <CampaignTagsTaxHTField0 xmlns="4873beb7-5857-4685-be1f-d57550cc96cc">
+      <Terms xmlns="http://schemas.microsoft.com/office/infopath/2007/PartnerControls"/>
+    </CampaignTagsTaxHTField0>
+    <TPNamespace xmlns="4873beb7-5857-4685-be1f-d57550cc96cc" xsi:nil="true"/>
+    <TaxCatchAll xmlns="4873beb7-5857-4685-be1f-d57550cc96cc"/>
+    <Markets xmlns="4873beb7-5857-4685-be1f-d57550cc96cc"/>
+    <UAProjectedTotalWords xmlns="4873beb7-5857-4685-be1f-d57550cc96cc" xsi:nil="true"/>
+    <IntlLangReview xmlns="4873beb7-5857-4685-be1f-d57550cc96cc">false</IntlLangReview>
+    <OutputCachingOn xmlns="4873beb7-5857-4685-be1f-d57550cc96cc">false</OutputCachingOn>
+    <AverageRating xmlns="4873beb7-5857-4685-be1f-d57550cc96cc" xsi:nil="true"/>
+    <APAuthor xmlns="4873beb7-5857-4685-be1f-d57550cc96cc">
+      <UserInfo>
+        <DisplayName>REDMOND\v-anij</DisplayName>
+        <AccountId>2469</AccountId>
+        <AccountType/>
+      </UserInfo>
+    </APAuthor>
+    <LocManualTestRequired xmlns="4873beb7-5857-4685-be1f-d57550cc96cc">false</LocManualTestRequired>
+    <TPCommandLine xmlns="4873beb7-5857-4685-be1f-d57550cc96cc" xsi:nil="true"/>
+    <TPAppVersion xmlns="4873beb7-5857-4685-be1f-d57550cc96cc" xsi:nil="true"/>
+    <EditorialStatus xmlns="4873beb7-5857-4685-be1f-d57550cc96cc">Complete</EditorialStatus>
+    <LastModifiedDateTime xmlns="4873beb7-5857-4685-be1f-d57550cc96cc" xsi:nil="true"/>
+    <ScenarioTagsTaxHTField0 xmlns="4873beb7-5857-4685-be1f-d57550cc96cc">
+      <Terms xmlns="http://schemas.microsoft.com/office/infopath/2007/PartnerControls"/>
+    </ScenarioTagsTaxHTField0>
+    <OriginalRelease xmlns="4873beb7-5857-4685-be1f-d57550cc96cc">15</OriginalRelease>
+    <TPLaunchHelpLinkType xmlns="4873beb7-5857-4685-be1f-d57550cc96cc">Template</TPLaunchHelpLinkType>
+    <LocalizationTagsTaxHTField0 xmlns="4873beb7-5857-4685-be1f-d57550cc96cc">
+      <Terms xmlns="http://schemas.microsoft.com/office/infopath/2007/PartnerControls"/>
+    </LocalizationTagsTaxHTField0>
+    <LocMarketGroupTiers2 xmlns="4873beb7-5857-4685-be1f-d57550cc96cc" xsi:nil="true"/>
+  </documentManagement>
+</p:properties>
 </file>
 
-<file path=customXml/itemProps2.xml><?xml version="1.0" encoding="utf-8"?>
-<ds:datastoreItem xmlns:ds="http://schemas.openxmlformats.org/officeDocument/2006/customXml" ds:itemID="{04098515-0C12-46CF-BC7C-69B4A13CD5FA}">
-  <ds:schemaRefs>
-    <ds:schemaRef ds:uri="http://schemas.microsoft.com/office/2006/documentManagement/types"/>
-    <ds:schemaRef ds:uri="http://purl.org/dc/elements/1.1/"/>
-    <ds:schemaRef ds:uri="http://schemas.microsoft.com/office/2006/metadata/properties"/>
-    <ds:schemaRef ds:uri="http://schemas.openxmlformats.org/package/2006/metadata/core-properties"/>
-    <ds:schemaRef ds:uri="http://schemas.microsoft.com/office/infopath/2007/PartnerControls"/>
-    <ds:schemaRef ds:uri="http://purl.org/dc/terms/"/>
-    <ds:schemaRef ds:uri="4873beb7-5857-4685-be1f-d57550cc96cc"/>
-    <ds:schemaRef ds:uri="http://www.w3.org/XML/1998/namespace"/>
-    <ds:schemaRef ds:uri="http://purl.org/dc/dcmitype/"/>
-  </ds:schemaRefs>
-</ds:datastoreItem>
+<file path=customXml/item3.xml><?xml version="1.0" encoding="utf-8"?>
+<?mso-contentType ?>
+<FormTemplates xmlns="http://schemas.microsoft.com/sharepoint/v3/contenttype/forms">
+  <Display>DocumentLibraryForm</Display>
+  <Edit>AssetEditForm</Edit>
+  <New>DocumentLibraryForm</New>
+</FormTemplates>
 </file>
 
-<file path=customXml/itemProps3.xml><?xml version="1.0" encoding="utf-8"?>
+<file path=customXml/itemProps1.xml><?xml version="1.0" encoding="utf-8"?>
 <ds:datastoreItem xmlns:ds="http://schemas.openxmlformats.org/officeDocument/2006/customXml" ds:itemID="{0B5C6E15-39DC-470B-9445-F754B9458020}">
   <ds:schemaRefs>
     <ds:schemaRef ds:uri="http://schemas.microsoft.com/office/2006/metadata/contentType"/>
@@ -20055,4 +20048,28 @@
     <ds:schemaRef ds:uri="http://schemas.microsoft.com/internal/obd"/>
   </ds:schemaRefs>
 </ds:datastoreItem>
+</file>
+
+<file path=customXml/itemProps2.xml><?xml version="1.0" encoding="utf-8"?>
+<ds:datastoreItem xmlns:ds="http://schemas.openxmlformats.org/officeDocument/2006/customXml" ds:itemID="{04098515-0C12-46CF-BC7C-69B4A13CD5FA}">
+  <ds:schemaRefs>
+    <ds:schemaRef ds:uri="http://www.w3.org/XML/1998/namespace"/>
+    <ds:schemaRef ds:uri="http://schemas.microsoft.com/office/2006/metadata/properties"/>
+    <ds:schemaRef ds:uri="http://purl.org/dc/elements/1.1/"/>
+    <ds:schemaRef ds:uri="http://purl.org/dc/terms/"/>
+    <ds:schemaRef ds:uri="http://schemas.openxmlformats.org/package/2006/metadata/core-properties"/>
+    <ds:schemaRef ds:uri="http://purl.org/dc/dcmitype/"/>
+    <ds:schemaRef ds:uri="http://schemas.microsoft.com/office/2006/documentManagement/types"/>
+    <ds:schemaRef ds:uri="4873beb7-5857-4685-be1f-d57550cc96cc"/>
+    <ds:schemaRef ds:uri="http://schemas.microsoft.com/office/infopath/2007/PartnerControls"/>
+  </ds:schemaRefs>
+</ds:datastoreItem>
+</file>
+
+<file path=customXml/itemProps3.xml><?xml version="1.0" encoding="utf-8"?>
+<ds:datastoreItem xmlns:ds="http://schemas.openxmlformats.org/officeDocument/2006/customXml" ds:itemID="{746CFF6F-D9AA-4BC0-911A-0A1356771912}">
+  <ds:schemaRefs>
+    <ds:schemaRef ds:uri="http://schemas.microsoft.com/sharepoint/v3/contenttype/forms"/>
+  </ds:schemaRefs>
+</ds:datastoreItem>
 </file>